--- a/项目计划书/G01小组项目计划PPT0.3.pptx
+++ b/项目计划书/G01小组项目计划PPT0.3.pptx
@@ -7,7 +7,7 @@
     <p:sldMasterId id="2147483672" r:id="rId3"/>
   </p:sldMasterIdLst>
   <p:notesMasterIdLst>
-    <p:notesMasterId r:id="rId26"/>
+    <p:notesMasterId r:id="rId25"/>
   </p:notesMasterIdLst>
   <p:sldIdLst>
     <p:sldId id="257" r:id="rId4"/>
@@ -26,17 +26,16 @@
     <p:sldId id="377" r:id="rId17"/>
     <p:sldId id="373" r:id="rId18"/>
     <p:sldId id="378" r:id="rId19"/>
-    <p:sldId id="379" r:id="rId20"/>
-    <p:sldId id="380" r:id="rId21"/>
-    <p:sldId id="304" r:id="rId22"/>
-    <p:sldId id="301" r:id="rId23"/>
-    <p:sldId id="303" r:id="rId24"/>
-    <p:sldId id="298" r:id="rId25"/>
+    <p:sldId id="380" r:id="rId20"/>
+    <p:sldId id="304" r:id="rId21"/>
+    <p:sldId id="301" r:id="rId22"/>
+    <p:sldId id="303" r:id="rId23"/>
+    <p:sldId id="298" r:id="rId24"/>
   </p:sldIdLst>
   <p:sldSz cx="9144000" cy="6858000" type="screen4x3"/>
   <p:notesSz cx="6858000" cy="9144000"/>
   <p:custDataLst>
-    <p:tags r:id="rId27"/>
+    <p:tags r:id="rId26"/>
   </p:custDataLst>
   <p:defaultTextStyle>
     <a:defPPr>
@@ -830,7 +829,7 @@
           <a:p>
             <a:fld id="{28085199-D7E7-416F-9D71-3AF4885C2DF5}" type="slidenum">
               <a:rPr lang="zh-CN" altLang="en-US" smtClean="0"/>
-              <a:t>20</a:t>
+              <a:t>19</a:t>
             </a:fld>
             <a:endParaRPr lang="zh-CN" altLang="en-US"/>
           </a:p>
@@ -914,7 +913,7 @@
           <a:p>
             <a:fld id="{28085199-D7E7-416F-9D71-3AF4885C2DF5}" type="slidenum">
               <a:rPr lang="zh-CN" altLang="en-US" smtClean="0"/>
-              <a:t>22</a:t>
+              <a:t>21</a:t>
             </a:fld>
             <a:endParaRPr lang="zh-CN" altLang="en-US"/>
           </a:p>
@@ -13736,28 +13735,28 @@
                 <a:gridCol w="1947861">
                   <a:extLst>
                     <a:ext uri="{9D8B030D-6E8A-4147-A177-3AD203B41FA5}">
-                      <a16:colId xmlns:a16="http://schemas.microsoft.com/office/drawing/2014/main" val="20000"/>
+                      <a16:colId xmlns:a16="http://schemas.microsoft.com/office/drawing/2014/main" xmlns="" val="20000"/>
                     </a:ext>
                   </a:extLst>
                 </a:gridCol>
                 <a:gridCol w="2016224">
                   <a:extLst>
                     <a:ext uri="{9D8B030D-6E8A-4147-A177-3AD203B41FA5}">
-                      <a16:colId xmlns:a16="http://schemas.microsoft.com/office/drawing/2014/main" val="20001"/>
+                      <a16:colId xmlns:a16="http://schemas.microsoft.com/office/drawing/2014/main" xmlns="" val="20001"/>
                     </a:ext>
                   </a:extLst>
                 </a:gridCol>
                 <a:gridCol w="2088232">
                   <a:extLst>
                     <a:ext uri="{9D8B030D-6E8A-4147-A177-3AD203B41FA5}">
-                      <a16:colId xmlns:a16="http://schemas.microsoft.com/office/drawing/2014/main" val="20002"/>
+                      <a16:colId xmlns:a16="http://schemas.microsoft.com/office/drawing/2014/main" xmlns="" val="20002"/>
                     </a:ext>
                   </a:extLst>
                 </a:gridCol>
                 <a:gridCol w="2660651">
                   <a:extLst>
                     <a:ext uri="{9D8B030D-6E8A-4147-A177-3AD203B41FA5}">
-                      <a16:colId xmlns:a16="http://schemas.microsoft.com/office/drawing/2014/main" val="20003"/>
+                      <a16:colId xmlns:a16="http://schemas.microsoft.com/office/drawing/2014/main" xmlns="" val="20003"/>
                     </a:ext>
                   </a:extLst>
                 </a:gridCol>
@@ -13881,7 +13880,7 @@
                 </a:tc>
                 <a:extLst>
                   <a:ext uri="{0D108BD9-81ED-4DB2-BD59-A6C34878D82A}">
-                    <a16:rowId xmlns:a16="http://schemas.microsoft.com/office/drawing/2014/main" val="10000"/>
+                    <a16:rowId xmlns:a16="http://schemas.microsoft.com/office/drawing/2014/main" xmlns="" val="10000"/>
                   </a:ext>
                 </a:extLst>
               </a:tr>
@@ -13992,7 +13991,7 @@
                 </a:tc>
                 <a:extLst>
                   <a:ext uri="{0D108BD9-81ED-4DB2-BD59-A6C34878D82A}">
-                    <a16:rowId xmlns:a16="http://schemas.microsoft.com/office/drawing/2014/main" val="10001"/>
+                    <a16:rowId xmlns:a16="http://schemas.microsoft.com/office/drawing/2014/main" xmlns="" val="10001"/>
                   </a:ext>
                 </a:extLst>
               </a:tr>
@@ -14103,7 +14102,7 @@
                 </a:tc>
                 <a:extLst>
                   <a:ext uri="{0D108BD9-81ED-4DB2-BD59-A6C34878D82A}">
-                    <a16:rowId xmlns:a16="http://schemas.microsoft.com/office/drawing/2014/main" val="10002"/>
+                    <a16:rowId xmlns:a16="http://schemas.microsoft.com/office/drawing/2014/main" xmlns="" val="10002"/>
                   </a:ext>
                 </a:extLst>
               </a:tr>
@@ -14244,7 +14243,7 @@
                 </a:tc>
                 <a:extLst>
                   <a:ext uri="{0D108BD9-81ED-4DB2-BD59-A6C34878D82A}">
-                    <a16:rowId xmlns:a16="http://schemas.microsoft.com/office/drawing/2014/main" val="10003"/>
+                    <a16:rowId xmlns:a16="http://schemas.microsoft.com/office/drawing/2014/main" xmlns="" val="10003"/>
                   </a:ext>
                 </a:extLst>
               </a:tr>
@@ -14898,7 +14897,7 @@
       </p:pic>
       <p:pic>
         <p:nvPicPr>
-          <p:cNvPr id="7" name="图片 6"/>
+          <p:cNvPr id="3" name="图片 2"/>
           <p:cNvPicPr>
             <a:picLocks noChangeAspect="1"/>
           </p:cNvPicPr>
@@ -14906,13 +14905,13 @@
         </p:nvPicPr>
         <p:blipFill rotWithShape="1">
           <a:blip r:embed="rId6"/>
-          <a:srcRect l="8391" t="18350"/>
+          <a:srcRect l="15350" t="16912"/>
           <a:stretch/>
         </p:blipFill>
         <p:spPr>
           <a:xfrm>
-            <a:off x="179512" y="1988840"/>
-            <a:ext cx="7848872" cy="4752528"/>
+            <a:off x="798633" y="2132856"/>
+            <a:ext cx="7740352" cy="4158878"/>
           </a:xfrm>
           <a:prstGeom prst="rect">
             <a:avLst/>
@@ -14969,7 +14968,7 @@
                                           </p:stCondLst>
                                         </p:cTn>
                                         <p:tgtEl>
-                                          <p:spTgt spid="7"/>
+                                          <p:spTgt spid="3"/>
                                         </p:tgtEl>
                                         <p:attrNameLst>
                                           <p:attrName>style.visibility</p:attrName>
@@ -14983,7 +14982,7 @@
                                       <p:cBhvr additive="base">
                                         <p:cTn id="7" dur="500" fill="hold"/>
                                         <p:tgtEl>
-                                          <p:spTgt spid="7"/>
+                                          <p:spTgt spid="3"/>
                                         </p:tgtEl>
                                         <p:attrNameLst>
                                           <p:attrName>ppt_x</p:attrName>
@@ -15006,7 +15005,7 @@
                                       <p:cBhvr additive="base">
                                         <p:cTn id="8" dur="500" fill="hold"/>
                                         <p:tgtEl>
-                                          <p:spTgt spid="7"/>
+                                          <p:spTgt spid="3"/>
                                         </p:tgtEl>
                                         <p:attrNameLst>
                                           <p:attrName>ppt_y</p:attrName>
@@ -15259,7 +15258,7 @@
         </p:blipFill>
         <p:spPr>
           <a:xfrm>
-            <a:off x="721287" y="1988840"/>
+            <a:off x="581315" y="2060848"/>
             <a:ext cx="7848872" cy="3744416"/>
           </a:xfrm>
           <a:prstGeom prst="rect">
@@ -15961,7 +15960,7 @@
                   <a:sysClr val="window" lastClr="FFFFFF"/>
                 </a:solidFill>
               </a:rPr>
-              <a:t>6</a:t>
+              <a:t>7</a:t>
             </a:r>
             <a:r>
               <a:rPr lang="en-US" altLang="zh-CN" spc="300" dirty="0">
@@ -15980,7 +15979,7 @@
                   <a:sysClr val="window" lastClr="FFFFFF"/>
                 </a:solidFill>
               </a:rPr>
-              <a:t>会议记录</a:t>
+              <a:t>预算</a:t>
             </a:r>
             <a:endParaRPr lang="zh-CN" altLang="en-US" dirty="0">
               <a:solidFill>
@@ -15991,424 +15990,6 @@
           </a:p>
         </p:txBody>
       </p:sp>
-      <p:pic>
-        <p:nvPicPr>
-          <p:cNvPr id="6" name="图片 5"/>
-          <p:cNvPicPr>
-            <a:picLocks noChangeAspect="1"/>
-          </p:cNvPicPr>
-          <p:nvPr/>
-        </p:nvPicPr>
-        <p:blipFill rotWithShape="1">
-          <a:blip r:embed="rId6"/>
-          <a:srcRect l="31100" t="15473" r="31100"/>
-          <a:stretch/>
-        </p:blipFill>
-        <p:spPr>
-          <a:xfrm>
-            <a:off x="5148064" y="2348880"/>
-            <a:ext cx="3456384" cy="4230886"/>
-          </a:xfrm>
-          <a:prstGeom prst="rect">
-            <a:avLst/>
-          </a:prstGeom>
-        </p:spPr>
-      </p:pic>
-      <p:sp>
-        <p:nvSpPr>
-          <p:cNvPr id="7" name="文本框 6"/>
-          <p:cNvSpPr txBox="1"/>
-          <p:nvPr>
-            <p:custDataLst>
-              <p:tags r:id="rId4"/>
-            </p:custDataLst>
-          </p:nvPr>
-        </p:nvSpPr>
-        <p:spPr>
-          <a:xfrm>
-            <a:off x="323528" y="1458295"/>
-            <a:ext cx="3080780" cy="710952"/>
-          </a:xfrm>
-          <a:prstGeom prst="rect">
-            <a:avLst/>
-          </a:prstGeom>
-          <a:noFill/>
-        </p:spPr>
-        <p:txBody>
-          <a:bodyPr vert="horz" lIns="67500" tIns="35100" rIns="67500" bIns="35100" rtlCol="0" anchor="ctr">
-            <a:noAutofit/>
-          </a:bodyPr>
-          <a:lstStyle>
-            <a:lvl1pPr marL="285750" indent="-285750" fontAlgn="auto">
-              <a:lnSpc>
-                <a:spcPct val="130000"/>
-              </a:lnSpc>
-              <a:spcBef>
-                <a:spcPts val="0"/>
-              </a:spcBef>
-              <a:spcAft>
-                <a:spcPts val="800"/>
-              </a:spcAft>
-              <a:buFont typeface="微软雅黑" panose="020B0503020204020204" charset="-122"/>
-              <a:buAutoNum type="ea1JpnChsDbPeriod"/>
-              <a:defRPr sz="1050" u="none" strike="noStrike" cap="none" spc="150" normalizeH="0" baseline="0">
-                <a:solidFill>
-                  <a:sysClr val="windowText" lastClr="000000">
-                    <a:lumMod val="95000"/>
-                    <a:lumOff val="5000"/>
-                  </a:sysClr>
-                </a:solidFill>
-                <a:uFillTx/>
-                <a:latin typeface="微软雅黑" panose="020B0503020204020204" charset="-122"/>
-                <a:ea typeface="微软雅黑" panose="020B0503020204020204" charset="-122"/>
-              </a:defRPr>
-            </a:lvl1pPr>
-            <a:lvl2pPr marL="685800" indent="-228600" fontAlgn="auto">
-              <a:lnSpc>
-                <a:spcPct val="130000"/>
-              </a:lnSpc>
-              <a:spcBef>
-                <a:spcPts val="0"/>
-              </a:spcBef>
-              <a:spcAft>
-                <a:spcPts val="1000"/>
-              </a:spcAft>
-              <a:buFont typeface="Arial" panose="020B0604020202020204" pitchFamily="34" charset="0"/>
-              <a:buChar char="•"/>
-              <a:tabLst>
-                <a:tab pos="1609725" algn="l"/>
-              </a:tabLst>
-              <a:defRPr sz="1600" u="none" strike="noStrike" cap="none" spc="150" normalizeH="0" baseline="0">
-                <a:uFillTx/>
-                <a:latin typeface="Arial" panose="020B0604020202020204" pitchFamily="34" charset="0"/>
-                <a:ea typeface="微软雅黑" panose="020B0503020204020204" charset="-122"/>
-              </a:defRPr>
-            </a:lvl2pPr>
-            <a:lvl3pPr marL="1143000" indent="-228600" fontAlgn="auto">
-              <a:lnSpc>
-                <a:spcPct val="130000"/>
-              </a:lnSpc>
-              <a:spcBef>
-                <a:spcPts val="0"/>
-              </a:spcBef>
-              <a:spcAft>
-                <a:spcPts val="1000"/>
-              </a:spcAft>
-              <a:buFont typeface="Arial" panose="020B0604020202020204" pitchFamily="34" charset="0"/>
-              <a:buChar char="•"/>
-              <a:defRPr sz="1600" u="none" strike="noStrike" cap="none" spc="150" normalizeH="0" baseline="0">
-                <a:uFillTx/>
-                <a:latin typeface="Arial" panose="020B0604020202020204" pitchFamily="34" charset="0"/>
-                <a:ea typeface="微软雅黑" panose="020B0503020204020204" charset="-122"/>
-              </a:defRPr>
-            </a:lvl3pPr>
-            <a:lvl4pPr marL="1600200" indent="-228600" fontAlgn="auto">
-              <a:lnSpc>
-                <a:spcPct val="130000"/>
-              </a:lnSpc>
-              <a:spcBef>
-                <a:spcPts val="0"/>
-              </a:spcBef>
-              <a:spcAft>
-                <a:spcPts val="1000"/>
-              </a:spcAft>
-              <a:buFont typeface="Arial" panose="020B0604020202020204" pitchFamily="34" charset="0"/>
-              <a:buChar char="•"/>
-              <a:defRPr sz="1600" u="none" strike="noStrike" cap="none" spc="150" normalizeH="0" baseline="0">
-                <a:uFillTx/>
-                <a:latin typeface="Arial" panose="020B0604020202020204" pitchFamily="34" charset="0"/>
-                <a:ea typeface="微软雅黑" panose="020B0503020204020204" charset="-122"/>
-              </a:defRPr>
-            </a:lvl4pPr>
-            <a:lvl5pPr marL="2057400" indent="-228600" fontAlgn="auto">
-              <a:lnSpc>
-                <a:spcPct val="130000"/>
-              </a:lnSpc>
-              <a:spcBef>
-                <a:spcPts val="0"/>
-              </a:spcBef>
-              <a:spcAft>
-                <a:spcPts val="1000"/>
-              </a:spcAft>
-              <a:buFont typeface="Arial" panose="020B0604020202020204" pitchFamily="34" charset="0"/>
-              <a:buChar char="•"/>
-              <a:defRPr sz="1600" u="none" strike="noStrike" cap="none" spc="150" normalizeH="0" baseline="0">
-                <a:uFillTx/>
-                <a:latin typeface="Arial" panose="020B0604020202020204" pitchFamily="34" charset="0"/>
-                <a:ea typeface="微软雅黑" panose="020B0503020204020204" charset="-122"/>
-              </a:defRPr>
-            </a:lvl5pPr>
-            <a:lvl6pPr marL="2514600" indent="-228600">
-              <a:lnSpc>
-                <a:spcPct val="90000"/>
-              </a:lnSpc>
-              <a:spcBef>
-                <a:spcPts val="500"/>
-              </a:spcBef>
-              <a:buFont typeface="Arial" panose="020B0604020202020204" pitchFamily="34" charset="0"/>
-              <a:buChar char="•"/>
-            </a:lvl6pPr>
-            <a:lvl7pPr marL="2971800" indent="-228600">
-              <a:lnSpc>
-                <a:spcPct val="90000"/>
-              </a:lnSpc>
-              <a:spcBef>
-                <a:spcPts val="500"/>
-              </a:spcBef>
-              <a:buFont typeface="Arial" panose="020B0604020202020204" pitchFamily="34" charset="0"/>
-              <a:buChar char="•"/>
-            </a:lvl7pPr>
-            <a:lvl8pPr marL="3429000" indent="-228600">
-              <a:lnSpc>
-                <a:spcPct val="90000"/>
-              </a:lnSpc>
-              <a:spcBef>
-                <a:spcPts val="500"/>
-              </a:spcBef>
-              <a:buFont typeface="Arial" panose="020B0604020202020204" pitchFamily="34" charset="0"/>
-              <a:buChar char="•"/>
-            </a:lvl8pPr>
-            <a:lvl9pPr marL="3886200" indent="-228600">
-              <a:lnSpc>
-                <a:spcPct val="90000"/>
-              </a:lnSpc>
-              <a:spcBef>
-                <a:spcPts val="500"/>
-              </a:spcBef>
-              <a:buFont typeface="Arial" panose="020B0604020202020204" pitchFamily="34" charset="0"/>
-              <a:buChar char="•"/>
-            </a:lvl9pPr>
-          </a:lstStyle>
-          <a:p>
-            <a:pPr>
-              <a:lnSpc>
-                <a:spcPts val="3200"/>
-              </a:lnSpc>
-              <a:buSzPct val="70000"/>
-              <a:buFont typeface="Wingdings" panose="05000000000000000000" pitchFamily="2" charset="2"/>
-              <a:buChar char="l"/>
-              <a:defRPr/>
-            </a:pPr>
-            <a:r>
-              <a:rPr lang="zh-CN" altLang="en-US" sz="2000" b="1" dirty="0">
-                <a:latin typeface="+mn-ea"/>
-              </a:rPr>
-              <a:t>这是我们小组的会议记录的截图</a:t>
-            </a:r>
-            <a:endParaRPr lang="zh-CN" altLang="en-US" sz="1100" dirty="0">
-              <a:uFillTx/>
-            </a:endParaRPr>
-          </a:p>
-        </p:txBody>
-      </p:sp>
-      <p:pic>
-        <p:nvPicPr>
-          <p:cNvPr id="8" name="图片 7"/>
-          <p:cNvPicPr>
-            <a:picLocks noChangeAspect="1"/>
-          </p:cNvPicPr>
-          <p:nvPr/>
-        </p:nvPicPr>
-        <p:blipFill rotWithShape="1">
-          <a:blip r:embed="rId7"/>
-          <a:srcRect l="28738" t="16912" r="29525"/>
-          <a:stretch/>
-        </p:blipFill>
-        <p:spPr>
-          <a:xfrm>
-            <a:off x="1115616" y="2420888"/>
-            <a:ext cx="3816424" cy="4158878"/>
-          </a:xfrm>
-          <a:prstGeom prst="rect">
-            <a:avLst/>
-          </a:prstGeom>
-        </p:spPr>
-      </p:pic>
-    </p:spTree>
-    <p:custDataLst>
-      <p:tags r:id="rId1"/>
-    </p:custDataLst>
-    <p:extLst>
-      <p:ext uri="{BB962C8B-B14F-4D97-AF65-F5344CB8AC3E}">
-        <p14:creationId xmlns:p14="http://schemas.microsoft.com/office/powerpoint/2010/main" val="1062682240"/>
-      </p:ext>
-    </p:extLst>
-  </p:cSld>
-  <p:clrMapOvr>
-    <a:masterClrMapping/>
-  </p:clrMapOvr>
-  <p:transition spd="slow">
-    <p:fade/>
-  </p:transition>
-</p:sld>
-</file>
-
-<file path=ppt/slides/slide18.xml><?xml version="1.0" encoding="utf-8"?>
-<p:sld xmlns:a="http://schemas.openxmlformats.org/drawingml/2006/main" xmlns:r="http://schemas.openxmlformats.org/officeDocument/2006/relationships" xmlns:p="http://schemas.openxmlformats.org/presentationml/2006/main">
-  <p:cSld>
-    <p:spTree>
-      <p:nvGrpSpPr>
-        <p:cNvPr id="1" name=""/>
-        <p:cNvGrpSpPr/>
-        <p:nvPr/>
-      </p:nvGrpSpPr>
-      <p:grpSpPr>
-        <a:xfrm>
-          <a:off x="0" y="0"/>
-          <a:ext cx="0" cy="0"/>
-          <a:chOff x="0" y="0"/>
-          <a:chExt cx="0" cy="0"/>
-        </a:xfrm>
-      </p:grpSpPr>
-      <p:sp>
-        <p:nvSpPr>
-          <p:cNvPr id="2" name="矩形 1"/>
-          <p:cNvSpPr/>
-          <p:nvPr>
-            <p:custDataLst>
-              <p:tags r:id="rId2"/>
-            </p:custDataLst>
-          </p:nvPr>
-        </p:nvSpPr>
-        <p:spPr>
-          <a:xfrm>
-            <a:off x="0" y="34290"/>
-            <a:ext cx="9144000" cy="1317121"/>
-          </a:xfrm>
-          <a:prstGeom prst="rect">
-            <a:avLst/>
-          </a:prstGeom>
-          <a:solidFill>
-            <a:srgbClr val="E7E6E6">
-              <a:lumMod val="25000"/>
-            </a:srgbClr>
-          </a:solidFill>
-          <a:ln>
-            <a:noFill/>
-          </a:ln>
-        </p:spPr>
-        <p:style>
-          <a:lnRef idx="2">
-            <a:srgbClr val="5B9BD5">
-              <a:shade val="50000"/>
-            </a:srgbClr>
-          </a:lnRef>
-          <a:fillRef idx="1">
-            <a:srgbClr val="5B9BD5"/>
-          </a:fillRef>
-          <a:effectRef idx="0">
-            <a:srgbClr val="5B9BD5"/>
-          </a:effectRef>
-          <a:fontRef idx="minor">
-            <a:sysClr val="window" lastClr="FFFFFF"/>
-          </a:fontRef>
-        </p:style>
-        <p:txBody>
-          <a:bodyPr rtlCol="0" anchor="ctr"/>
-          <a:lstStyle/>
-          <a:p>
-            <a:pPr algn="ctr"/>
-            <a:endParaRPr lang="zh-CN" altLang="en-US" sz="1350">
-              <a:latin typeface="微软雅黑" panose="020B0503020204020204" charset="-122"/>
-              <a:ea typeface="微软雅黑" panose="020B0503020204020204" charset="-122"/>
-            </a:endParaRPr>
-          </a:p>
-        </p:txBody>
-      </p:sp>
-      <p:sp>
-        <p:nvSpPr>
-          <p:cNvPr id="4" name="标题 1"/>
-          <p:cNvSpPr>
-            <a:spLocks noGrp="1"/>
-          </p:cNvSpPr>
-          <p:nvPr>
-            <p:custDataLst>
-              <p:tags r:id="rId3"/>
-            </p:custDataLst>
-          </p:nvPr>
-        </p:nvSpPr>
-        <p:spPr>
-          <a:xfrm>
-            <a:off x="467544" y="496650"/>
-            <a:ext cx="8342447" cy="484078"/>
-          </a:xfrm>
-          <a:prstGeom prst="rect">
-            <a:avLst/>
-          </a:prstGeom>
-        </p:spPr>
-        <p:txBody>
-          <a:bodyPr vert="horz" lIns="101600" tIns="38100" rIns="76200" bIns="38100" rtlCol="0" anchor="t" anchorCtr="0">
-            <a:noAutofit/>
-          </a:bodyPr>
-          <a:lstStyle>
-            <a:lvl1pPr algn="l" defTabSz="914400" rtl="0" eaLnBrk="1" fontAlgn="auto" latinLnBrk="0" hangingPunct="1">
-              <a:lnSpc>
-                <a:spcPct val="100000"/>
-              </a:lnSpc>
-              <a:spcBef>
-                <a:spcPct val="0"/>
-              </a:spcBef>
-              <a:buNone/>
-              <a:defRPr sz="2400" b="1" u="none" strike="noStrike" kern="1200" cap="none" spc="200" normalizeH="0">
-                <a:solidFill>
-                  <a:sysClr val="windowText" lastClr="000000"/>
-                </a:solidFill>
-                <a:uFillTx/>
-                <a:latin typeface="微软雅黑" panose="020B0503020204020204" charset="-122"/>
-                <a:ea typeface="微软雅黑" panose="020B0503020204020204" charset="-122"/>
-                <a:cs typeface="+mn-ea"/>
-              </a:defRPr>
-            </a:lvl1pPr>
-          </a:lstStyle>
-          <a:p>
-            <a:pPr marL="0" indent="0" algn="l">
-              <a:lnSpc>
-                <a:spcPct val="100000"/>
-              </a:lnSpc>
-              <a:spcBef>
-                <a:spcPts val="0"/>
-              </a:spcBef>
-              <a:spcAft>
-                <a:spcPts val="0"/>
-              </a:spcAft>
-              <a:buSzPct val="100000"/>
-            </a:pPr>
-            <a:r>
-              <a:rPr lang="en-US" altLang="zh-CN" spc="300" dirty="0">
-                <a:solidFill>
-                  <a:sysClr val="window" lastClr="FFFFFF"/>
-                </a:solidFill>
-              </a:rPr>
-              <a:t>7</a:t>
-            </a:r>
-            <a:r>
-              <a:rPr lang="en-US" altLang="zh-CN" spc="300" dirty="0">
-                <a:solidFill>
-                  <a:sysClr val="window" lastClr="FFFFFF"/>
-                </a:solidFill>
-                <a:uFillTx/>
-                <a:latin typeface="微软雅黑" panose="020B0503020204020204" charset="-122"/>
-                <a:ea typeface="微软雅黑" panose="020B0503020204020204" charset="-122"/>
-              </a:rPr>
-              <a:t>.</a:t>
-            </a:r>
-            <a:r>
-              <a:rPr lang="zh-CN" altLang="en-US" spc="300" dirty="0">
-                <a:solidFill>
-                  <a:sysClr val="window" lastClr="FFFFFF"/>
-                </a:solidFill>
-              </a:rPr>
-              <a:t>预算</a:t>
-            </a:r>
-            <a:endParaRPr lang="zh-CN" altLang="en-US" dirty="0">
-              <a:solidFill>
-                <a:schemeClr val="bg1"/>
-              </a:solidFill>
-              <a:sym typeface="+mn-ea"/>
-            </a:endParaRPr>
-          </a:p>
-        </p:txBody>
-      </p:sp>
       <p:graphicFrame>
         <p:nvGraphicFramePr>
           <p:cNvPr id="3" name="表格 2"/>
@@ -16418,14 +15999,14 @@
           <p:nvPr>
             <p:extLst>
               <p:ext uri="{D42A27DB-BD31-4B8C-83A1-F6EECF244321}">
-                <p14:modId xmlns:p14="http://schemas.microsoft.com/office/powerpoint/2010/main" val="2715159399"/>
+                <p14:modId xmlns:p14="http://schemas.microsoft.com/office/powerpoint/2010/main" val="55297511"/>
               </p:ext>
             </p:extLst>
           </p:nvPr>
         </p:nvGraphicFramePr>
         <p:xfrm>
-          <a:off x="1524000" y="2743613"/>
-          <a:ext cx="6096000" cy="2565400"/>
+          <a:off x="1524000" y="2560733"/>
+          <a:ext cx="6096000" cy="2199640"/>
         </p:xfrm>
         <a:graphic>
           <a:graphicData uri="http://schemas.openxmlformats.org/drawingml/2006/table">
@@ -16437,21 +16018,21 @@
                 <a:gridCol w="2032000">
                   <a:extLst>
                     <a:ext uri="{9D8B030D-6E8A-4147-A177-3AD203B41FA5}">
-                      <a16:colId xmlns:a16="http://schemas.microsoft.com/office/drawing/2014/main" val="20000"/>
+                      <a16:colId xmlns:a16="http://schemas.microsoft.com/office/drawing/2014/main" xmlns="" val="20000"/>
                     </a:ext>
                   </a:extLst>
                 </a:gridCol>
                 <a:gridCol w="2032000">
                   <a:extLst>
                     <a:ext uri="{9D8B030D-6E8A-4147-A177-3AD203B41FA5}">
-                      <a16:colId xmlns:a16="http://schemas.microsoft.com/office/drawing/2014/main" val="20001"/>
+                      <a16:colId xmlns:a16="http://schemas.microsoft.com/office/drawing/2014/main" xmlns="" val="20001"/>
                     </a:ext>
                   </a:extLst>
                 </a:gridCol>
                 <a:gridCol w="2032000">
                   <a:extLst>
                     <a:ext uri="{9D8B030D-6E8A-4147-A177-3AD203B41FA5}">
-                      <a16:colId xmlns:a16="http://schemas.microsoft.com/office/drawing/2014/main" val="20002"/>
+                      <a16:colId xmlns:a16="http://schemas.microsoft.com/office/drawing/2014/main" xmlns="" val="20002"/>
                     </a:ext>
                   </a:extLst>
                 </a:gridCol>
@@ -16510,7 +16091,7 @@
                 </a:tc>
                 <a:extLst>
                   <a:ext uri="{0D108BD9-81ED-4DB2-BD59-A6C34878D82A}">
-                    <a16:rowId xmlns:a16="http://schemas.microsoft.com/office/drawing/2014/main" val="10000"/>
+                    <a16:rowId xmlns:a16="http://schemas.microsoft.com/office/drawing/2014/main" xmlns="" val="10000"/>
                   </a:ext>
                 </a:extLst>
               </a:tr>
@@ -16534,12 +16115,12 @@
                     <a:lstStyle/>
                     <a:p>
                       <a:r>
-                        <a:rPr lang="zh-CN" altLang="en-US" sz="2400" dirty="0"/>
+                        <a:rPr lang="zh-CN" altLang="en-US" sz="2400" dirty="0" smtClean="0"/>
                         <a:t>￥</a:t>
                       </a:r>
                       <a:r>
-                        <a:rPr lang="en-US" altLang="zh-CN" sz="2400" dirty="0"/>
-                        <a:t>77.27/</a:t>
+                        <a:rPr lang="en-US" altLang="zh-CN" sz="2400" dirty="0" smtClean="0"/>
+                        <a:t>91.9/</a:t>
                       </a:r>
                       <a:r>
                         <a:rPr lang="zh-CN" altLang="en-US" sz="2400" dirty="0"/>
@@ -16561,11 +16142,15 @@
                     <a:p>
                       <a:r>
                         <a:rPr lang="zh-CN" altLang="en-US" sz="2400" dirty="0"/>
-                        <a:t>约￥</a:t>
+                        <a:t>约</a:t>
                       </a:r>
                       <a:r>
-                        <a:rPr lang="en-US" altLang="zh-CN" sz="2400" dirty="0"/>
-                        <a:t>430/</a:t>
+                        <a:rPr lang="zh-CN" altLang="en-US" sz="2400" dirty="0" smtClean="0"/>
+                        <a:t>￥</a:t>
+                      </a:r>
+                      <a:r>
+                        <a:rPr lang="en-US" altLang="zh-CN" sz="2400" dirty="0" smtClean="0"/>
+                        <a:t>550/</a:t>
                       </a:r>
                       <a:r>
                         <a:rPr lang="zh-CN" altLang="en-US" sz="2400" dirty="0"/>
@@ -16577,7 +16162,7 @@
                 </a:tc>
                 <a:extLst>
                   <a:ext uri="{0D108BD9-81ED-4DB2-BD59-A6C34878D82A}">
-                    <a16:rowId xmlns:a16="http://schemas.microsoft.com/office/drawing/2014/main" val="10001"/>
+                    <a16:rowId xmlns:a16="http://schemas.microsoft.com/office/drawing/2014/main" xmlns="" val="10001"/>
                   </a:ext>
                 </a:extLst>
               </a:tr>
@@ -16633,7 +16218,7 @@
                 </a:tc>
                 <a:extLst>
                   <a:ext uri="{0D108BD9-81ED-4DB2-BD59-A6C34878D82A}">
-                    <a16:rowId xmlns:a16="http://schemas.microsoft.com/office/drawing/2014/main" val="10002"/>
+                    <a16:rowId xmlns:a16="http://schemas.microsoft.com/office/drawing/2014/main" xmlns="" val="10002"/>
                   </a:ext>
                 </a:extLst>
               </a:tr>
@@ -16645,24 +16230,15 @@
                     <a:p>
                       <a:r>
                         <a:rPr lang="zh-CN" altLang="en-US" sz="2400" dirty="0"/>
-                        <a:t>工具支出</a:t>
-                      </a:r>
-                    </a:p>
-                  </a:txBody>
-                  <a:tcPr/>
-                </a:tc>
-                <a:tc>
-                  <a:txBody>
-                    <a:bodyPr/>
-                    <a:lstStyle/>
-                    <a:p>
-                      <a:r>
-                        <a:rPr lang="zh-CN" altLang="en-US" sz="2400" dirty="0"/>
-                        <a:t>￥</a:t>
+                        <a:t>工具支</a:t>
                       </a:r>
                       <a:r>
-                        <a:rPr lang="en-US" altLang="zh-CN" sz="2400" dirty="0"/>
-                        <a:t>100</a:t>
+                        <a:rPr lang="zh-CN" altLang="en-US" sz="2400" dirty="0" smtClean="0"/>
+                        <a:t>出</a:t>
+                      </a:r>
+                      <a:r>
+                        <a:rPr lang="en-US" altLang="zh-CN" sz="2400" dirty="0" smtClean="0"/>
+                        <a:t>*</a:t>
                       </a:r>
                       <a:endParaRPr lang="zh-CN" altLang="en-US" sz="2400" dirty="0"/>
                     </a:p>
@@ -16675,12 +16251,30 @@
                     <a:lstStyle/>
                     <a:p>
                       <a:r>
-                        <a:rPr lang="zh-CN" altLang="en-US" sz="2400" dirty="0"/>
+                        <a:rPr lang="zh-CN" altLang="en-US" sz="2400" dirty="0" smtClean="0"/>
+                        <a:t>￥约</a:t>
+                      </a:r>
+                      <a:r>
+                        <a:rPr lang="en-US" altLang="zh-CN" sz="2400" dirty="0" smtClean="0"/>
+                        <a:t>200</a:t>
+                      </a:r>
+                      <a:endParaRPr lang="zh-CN" altLang="en-US" sz="2400" dirty="0"/>
+                    </a:p>
+                  </a:txBody>
+                  <a:tcPr/>
+                </a:tc>
+                <a:tc>
+                  <a:txBody>
+                    <a:bodyPr/>
+                    <a:lstStyle/>
+                    <a:p>
+                      <a:r>
+                        <a:rPr lang="zh-CN" altLang="en-US" sz="2400" dirty="0" smtClean="0"/>
                         <a:t>￥</a:t>
                       </a:r>
                       <a:r>
-                        <a:rPr lang="en-US" altLang="zh-CN" sz="2400" dirty="0"/>
-                        <a:t>100</a:t>
+                        <a:rPr lang="en-US" altLang="zh-CN" sz="2400" dirty="0" smtClean="0"/>
+                        <a:t>200</a:t>
                       </a:r>
                       <a:endParaRPr lang="zh-CN" altLang="en-US" sz="2400" dirty="0"/>
                     </a:p>
@@ -16689,7 +16283,7 @@
                 </a:tc>
                 <a:extLst>
                   <a:ext uri="{0D108BD9-81ED-4DB2-BD59-A6C34878D82A}">
-                    <a16:rowId xmlns:a16="http://schemas.microsoft.com/office/drawing/2014/main" val="10003"/>
+                    <a16:rowId xmlns:a16="http://schemas.microsoft.com/office/drawing/2014/main" xmlns="" val="10003"/>
                   </a:ext>
                 </a:extLst>
               </a:tr>
@@ -16726,7 +16320,7 @@
                 </a:tc>
                 <a:extLst>
                   <a:ext uri="{0D108BD9-81ED-4DB2-BD59-A6C34878D82A}">
-                    <a16:rowId xmlns:a16="http://schemas.microsoft.com/office/drawing/2014/main" val="10004"/>
+                    <a16:rowId xmlns:a16="http://schemas.microsoft.com/office/drawing/2014/main" xmlns="" val="10004"/>
                   </a:ext>
                 </a:extLst>
               </a:tr>
@@ -16933,7 +16527,7 @@
         </p:nvSpPr>
         <p:spPr>
           <a:xfrm>
-            <a:off x="1187624" y="5335888"/>
+            <a:off x="1187624" y="5624503"/>
             <a:ext cx="6120680" cy="710952"/>
           </a:xfrm>
           <a:prstGeom prst="rect">
@@ -17100,19 +16694,37 @@
               <a:rPr lang="zh-CN" altLang="en-US" sz="2000" b="1" dirty="0">
                 <a:latin typeface="+mn-ea"/>
               </a:rPr>
-              <a:t>总计为</a:t>
-            </a:r>
-            <a:r>
-              <a:rPr lang="en-US" altLang="zh-CN" sz="2000" b="1" dirty="0">
+              <a:t>总计</a:t>
+            </a:r>
+            <a:r>
+              <a:rPr lang="zh-CN" altLang="en-US" sz="2000" b="1" dirty="0" smtClean="0">
                 <a:latin typeface="+mn-ea"/>
               </a:rPr>
-              <a:t>430*3.5</a:t>
+              <a:t>为</a:t>
+            </a:r>
+            <a:r>
+              <a:rPr lang="en-US" altLang="zh-CN" sz="2000" b="1" dirty="0" smtClean="0">
+                <a:latin typeface="+mn-ea"/>
+              </a:rPr>
+              <a:t>550</a:t>
+            </a:r>
+            <a:r>
+              <a:rPr lang="en-US" altLang="zh-CN" sz="2000" b="1" dirty="0" smtClean="0">
+                <a:latin typeface="+mn-ea"/>
+              </a:rPr>
+              <a:t>*4</a:t>
+            </a:r>
+            <a:r>
+              <a:rPr lang="zh-CN" altLang="en-US" sz="2000" b="1" dirty="0" smtClean="0">
+                <a:latin typeface="+mn-ea"/>
+              </a:rPr>
+              <a:t>个</a:t>
             </a:r>
             <a:r>
               <a:rPr lang="zh-CN" altLang="en-US" sz="2000" b="1" dirty="0">
                 <a:latin typeface="+mn-ea"/>
               </a:rPr>
-              <a:t>个月</a:t>
+              <a:t>月</a:t>
             </a:r>
             <a:r>
               <a:rPr lang="en-US" altLang="zh-CN" sz="2000" b="1" dirty="0">
@@ -17130,15 +16742,214 @@
               <a:rPr lang="en-US" altLang="zh-CN" sz="2000" b="1" dirty="0">
                 <a:latin typeface="+mn-ea"/>
               </a:rPr>
-              <a:t>+100+100=45350</a:t>
-            </a:r>
-            <a:r>
-              <a:rPr lang="zh-CN" altLang="en-US" sz="2000" b="1" dirty="0">
+              <a:t>+</a:t>
+            </a:r>
+            <a:r>
+              <a:rPr lang="en-US" altLang="zh-CN" sz="2000" b="1" dirty="0" smtClean="0">
+                <a:latin typeface="+mn-ea"/>
+              </a:rPr>
+              <a:t>100+200=66300</a:t>
+            </a:r>
+            <a:r>
+              <a:rPr lang="zh-CN" altLang="en-US" sz="2000" b="1" dirty="0" smtClean="0">
                 <a:latin typeface="+mn-ea"/>
               </a:rPr>
               <a:t>元</a:t>
             </a:r>
             <a:endParaRPr lang="zh-CN" altLang="en-US" sz="1100" dirty="0">
+              <a:uFillTx/>
+            </a:endParaRPr>
+          </a:p>
+        </p:txBody>
+      </p:sp>
+      <p:sp>
+        <p:nvSpPr>
+          <p:cNvPr id="7" name="文本框 6"/>
+          <p:cNvSpPr txBox="1"/>
+          <p:nvPr>
+            <p:custDataLst>
+              <p:tags r:id="rId6"/>
+            </p:custDataLst>
+          </p:nvPr>
+        </p:nvSpPr>
+        <p:spPr>
+          <a:xfrm>
+            <a:off x="1472234" y="4614652"/>
+            <a:ext cx="5328592" cy="710952"/>
+          </a:xfrm>
+          <a:prstGeom prst="rect">
+            <a:avLst/>
+          </a:prstGeom>
+          <a:noFill/>
+        </p:spPr>
+        <p:txBody>
+          <a:bodyPr vert="horz" lIns="67500" tIns="35100" rIns="67500" bIns="35100" rtlCol="0" anchor="ctr">
+            <a:noAutofit/>
+          </a:bodyPr>
+          <a:lstStyle>
+            <a:lvl1pPr marL="285750" indent="-285750" fontAlgn="auto">
+              <a:lnSpc>
+                <a:spcPct val="130000"/>
+              </a:lnSpc>
+              <a:spcBef>
+                <a:spcPts val="0"/>
+              </a:spcBef>
+              <a:spcAft>
+                <a:spcPts val="800"/>
+              </a:spcAft>
+              <a:buFont typeface="微软雅黑" panose="020B0503020204020204" charset="-122"/>
+              <a:buAutoNum type="ea1JpnChsDbPeriod"/>
+              <a:defRPr sz="1050" u="none" strike="noStrike" cap="none" spc="150" normalizeH="0" baseline="0">
+                <a:solidFill>
+                  <a:sysClr val="windowText" lastClr="000000">
+                    <a:lumMod val="95000"/>
+                    <a:lumOff val="5000"/>
+                  </a:sysClr>
+                </a:solidFill>
+                <a:uFillTx/>
+                <a:latin typeface="微软雅黑" panose="020B0503020204020204" charset="-122"/>
+                <a:ea typeface="微软雅黑" panose="020B0503020204020204" charset="-122"/>
+              </a:defRPr>
+            </a:lvl1pPr>
+            <a:lvl2pPr marL="685800" indent="-228600" fontAlgn="auto">
+              <a:lnSpc>
+                <a:spcPct val="130000"/>
+              </a:lnSpc>
+              <a:spcBef>
+                <a:spcPts val="0"/>
+              </a:spcBef>
+              <a:spcAft>
+                <a:spcPts val="1000"/>
+              </a:spcAft>
+              <a:buFont typeface="Arial" panose="020B0604020202020204" pitchFamily="34" charset="0"/>
+              <a:buChar char="•"/>
+              <a:tabLst>
+                <a:tab pos="1609725" algn="l"/>
+              </a:tabLst>
+              <a:defRPr sz="1600" u="none" strike="noStrike" cap="none" spc="150" normalizeH="0" baseline="0">
+                <a:uFillTx/>
+                <a:latin typeface="Arial" panose="020B0604020202020204" pitchFamily="34" charset="0"/>
+                <a:ea typeface="微软雅黑" panose="020B0503020204020204" charset="-122"/>
+              </a:defRPr>
+            </a:lvl2pPr>
+            <a:lvl3pPr marL="1143000" indent="-228600" fontAlgn="auto">
+              <a:lnSpc>
+                <a:spcPct val="130000"/>
+              </a:lnSpc>
+              <a:spcBef>
+                <a:spcPts val="0"/>
+              </a:spcBef>
+              <a:spcAft>
+                <a:spcPts val="1000"/>
+              </a:spcAft>
+              <a:buFont typeface="Arial" panose="020B0604020202020204" pitchFamily="34" charset="0"/>
+              <a:buChar char="•"/>
+              <a:defRPr sz="1600" u="none" strike="noStrike" cap="none" spc="150" normalizeH="0" baseline="0">
+                <a:uFillTx/>
+                <a:latin typeface="Arial" panose="020B0604020202020204" pitchFamily="34" charset="0"/>
+                <a:ea typeface="微软雅黑" panose="020B0503020204020204" charset="-122"/>
+              </a:defRPr>
+            </a:lvl3pPr>
+            <a:lvl4pPr marL="1600200" indent="-228600" fontAlgn="auto">
+              <a:lnSpc>
+                <a:spcPct val="130000"/>
+              </a:lnSpc>
+              <a:spcBef>
+                <a:spcPts val="0"/>
+              </a:spcBef>
+              <a:spcAft>
+                <a:spcPts val="1000"/>
+              </a:spcAft>
+              <a:buFont typeface="Arial" panose="020B0604020202020204" pitchFamily="34" charset="0"/>
+              <a:buChar char="•"/>
+              <a:defRPr sz="1600" u="none" strike="noStrike" cap="none" spc="150" normalizeH="0" baseline="0">
+                <a:uFillTx/>
+                <a:latin typeface="Arial" panose="020B0604020202020204" pitchFamily="34" charset="0"/>
+                <a:ea typeface="微软雅黑" panose="020B0503020204020204" charset="-122"/>
+              </a:defRPr>
+            </a:lvl4pPr>
+            <a:lvl5pPr marL="2057400" indent="-228600" fontAlgn="auto">
+              <a:lnSpc>
+                <a:spcPct val="130000"/>
+              </a:lnSpc>
+              <a:spcBef>
+                <a:spcPts val="0"/>
+              </a:spcBef>
+              <a:spcAft>
+                <a:spcPts val="1000"/>
+              </a:spcAft>
+              <a:buFont typeface="Arial" panose="020B0604020202020204" pitchFamily="34" charset="0"/>
+              <a:buChar char="•"/>
+              <a:defRPr sz="1600" u="none" strike="noStrike" cap="none" spc="150" normalizeH="0" baseline="0">
+                <a:uFillTx/>
+                <a:latin typeface="Arial" panose="020B0604020202020204" pitchFamily="34" charset="0"/>
+                <a:ea typeface="微软雅黑" panose="020B0503020204020204" charset="-122"/>
+              </a:defRPr>
+            </a:lvl5pPr>
+            <a:lvl6pPr marL="2514600" indent="-228600">
+              <a:lnSpc>
+                <a:spcPct val="90000"/>
+              </a:lnSpc>
+              <a:spcBef>
+                <a:spcPts val="500"/>
+              </a:spcBef>
+              <a:buFont typeface="Arial" panose="020B0604020202020204" pitchFamily="34" charset="0"/>
+              <a:buChar char="•"/>
+            </a:lvl6pPr>
+            <a:lvl7pPr marL="2971800" indent="-228600">
+              <a:lnSpc>
+                <a:spcPct val="90000"/>
+              </a:lnSpc>
+              <a:spcBef>
+                <a:spcPts val="500"/>
+              </a:spcBef>
+              <a:buFont typeface="Arial" panose="020B0604020202020204" pitchFamily="34" charset="0"/>
+              <a:buChar char="•"/>
+            </a:lvl7pPr>
+            <a:lvl8pPr marL="3429000" indent="-228600">
+              <a:lnSpc>
+                <a:spcPct val="90000"/>
+              </a:lnSpc>
+              <a:spcBef>
+                <a:spcPts val="500"/>
+              </a:spcBef>
+              <a:buFont typeface="Arial" panose="020B0604020202020204" pitchFamily="34" charset="0"/>
+              <a:buChar char="•"/>
+            </a:lvl8pPr>
+            <a:lvl9pPr marL="3886200" indent="-228600">
+              <a:lnSpc>
+                <a:spcPct val="90000"/>
+              </a:lnSpc>
+              <a:spcBef>
+                <a:spcPts val="500"/>
+              </a:spcBef>
+              <a:buFont typeface="Arial" panose="020B0604020202020204" pitchFamily="34" charset="0"/>
+              <a:buChar char="•"/>
+            </a:lvl9pPr>
+          </a:lstStyle>
+          <a:p>
+            <a:pPr>
+              <a:lnSpc>
+                <a:spcPts val="3200"/>
+              </a:lnSpc>
+              <a:buSzPct val="70000"/>
+              <a:buFont typeface="Wingdings" panose="05000000000000000000" pitchFamily="2" charset="2"/>
+              <a:buChar char="l"/>
+              <a:defRPr/>
+            </a:pPr>
+            <a:r>
+              <a:rPr lang="en-US" altLang="zh-CN" sz="1600" b="1" dirty="0" smtClean="0">
+                <a:latin typeface="+mn-ea"/>
+              </a:rPr>
+              <a:t>*</a:t>
+            </a:r>
+            <a:r>
+              <a:rPr lang="zh-CN" altLang="en-US" sz="1600" b="1" dirty="0" smtClean="0">
+                <a:latin typeface="+mn-ea"/>
+              </a:rPr>
+              <a:t>涵盖注册域名的费用</a:t>
+            </a:r>
+            <a:endParaRPr lang="zh-CN" altLang="en-US" sz="1000" dirty="0">
               <a:uFillTx/>
             </a:endParaRPr>
           </a:p>
@@ -17163,7 +16974,7 @@
 </p:sld>
 </file>
 
-<file path=ppt/slides/slide19.xml><?xml version="1.0" encoding="utf-8"?>
+<file path=ppt/slides/slide18.xml><?xml version="1.0" encoding="utf-8"?>
 <p:sld xmlns:a="http://schemas.openxmlformats.org/drawingml/2006/main" xmlns:r="http://schemas.openxmlformats.org/officeDocument/2006/relationships" xmlns:p="http://schemas.openxmlformats.org/presentationml/2006/main">
   <p:cSld>
     <p:spTree>
@@ -17501,42 +17312,42 @@
               <a:defRPr/>
             </a:pPr>
             <a:r>
-              <a:rPr lang="en-US" altLang="zh-CN" sz="1400" dirty="0">
+              <a:rPr lang="en-US" altLang="zh-CN" sz="1600" dirty="0">
                 <a:latin typeface="+mn-ea"/>
               </a:rPr>
               <a:t>1.《</a:t>
             </a:r>
             <a:r>
-              <a:rPr lang="zh-CN" altLang="en-US" sz="1400" dirty="0">
+              <a:rPr lang="zh-CN" altLang="en-US" sz="1600" dirty="0">
                 <a:latin typeface="+mn-ea"/>
               </a:rPr>
               <a:t>软件工程导论</a:t>
             </a:r>
             <a:r>
-              <a:rPr lang="en-US" altLang="zh-CN" sz="1400" dirty="0">
+              <a:rPr lang="en-US" altLang="zh-CN" sz="1600" dirty="0">
                 <a:latin typeface="+mn-ea"/>
               </a:rPr>
               <a:t>》 </a:t>
             </a:r>
             <a:r>
-              <a:rPr lang="zh-CN" altLang="en-US" sz="1400" dirty="0">
+              <a:rPr lang="zh-CN" altLang="en-US" sz="1600" dirty="0">
                 <a:latin typeface="+mn-ea"/>
               </a:rPr>
               <a:t>清华大学出版社 张海藩等 第</a:t>
             </a:r>
             <a:r>
-              <a:rPr lang="en-US" altLang="zh-CN" sz="1400" dirty="0">
+              <a:rPr lang="en-US" altLang="zh-CN" sz="1600" dirty="0">
                 <a:latin typeface="+mn-ea"/>
               </a:rPr>
               <a:t>6</a:t>
             </a:r>
             <a:r>
-              <a:rPr lang="zh-CN" altLang="en-US" sz="1400" dirty="0">
+              <a:rPr lang="zh-CN" altLang="en-US" sz="1600" dirty="0">
                 <a:latin typeface="+mn-ea"/>
               </a:rPr>
               <a:t>版</a:t>
             </a:r>
-            <a:endParaRPr lang="en-US" altLang="zh-CN" sz="1400" dirty="0">
+            <a:endParaRPr lang="en-US" altLang="zh-CN" sz="1600" dirty="0">
               <a:latin typeface="+mn-ea"/>
             </a:endParaRPr>
           </a:p>
@@ -17550,30 +17361,30 @@
               <a:defRPr/>
             </a:pPr>
             <a:r>
-              <a:rPr lang="en-US" altLang="zh-CN" sz="1400" dirty="0">
+              <a:rPr lang="en-US" altLang="zh-CN" sz="1600" dirty="0">
                 <a:latin typeface="+mn-ea"/>
               </a:rPr>
               <a:t>2.《Vue.js</a:t>
             </a:r>
             <a:r>
-              <a:rPr lang="zh-CN" altLang="en-US" sz="1400" dirty="0">
+              <a:rPr lang="zh-CN" altLang="en-US" sz="1600" dirty="0">
                 <a:latin typeface="+mn-ea"/>
               </a:rPr>
               <a:t>实战</a:t>
             </a:r>
             <a:r>
-              <a:rPr lang="en-US" altLang="zh-CN" sz="1400" dirty="0">
+              <a:rPr lang="en-US" altLang="zh-CN" sz="1600" dirty="0">
                 <a:latin typeface="+mn-ea"/>
               </a:rPr>
               <a:t>》 </a:t>
             </a:r>
             <a:r>
-              <a:rPr lang="zh-CN" altLang="en-US" sz="1400" dirty="0">
+              <a:rPr lang="zh-CN" altLang="en-US" sz="1600" dirty="0">
                 <a:latin typeface="+mn-ea"/>
               </a:rPr>
               <a:t>清华大学出版社 作者 尤雨溪</a:t>
             </a:r>
-            <a:endParaRPr lang="en-US" altLang="zh-CN" sz="1400" dirty="0">
+            <a:endParaRPr lang="en-US" altLang="zh-CN" sz="1600" dirty="0">
               <a:latin typeface="+mn-ea"/>
             </a:endParaRPr>
           </a:p>
@@ -17587,30 +17398,30 @@
               <a:defRPr/>
             </a:pPr>
             <a:r>
-              <a:rPr lang="en-US" altLang="zh-CN" sz="1400" dirty="0">
+              <a:rPr lang="en-US" altLang="zh-CN" sz="1600" dirty="0">
                 <a:latin typeface="+mn-ea"/>
               </a:rPr>
               <a:t>3.《</a:t>
             </a:r>
             <a:r>
-              <a:rPr lang="zh-CN" altLang="en-US" sz="1400" dirty="0">
+              <a:rPr lang="zh-CN" altLang="en-US" sz="1600" dirty="0">
                 <a:latin typeface="+mn-ea"/>
               </a:rPr>
               <a:t>数据库系统概论</a:t>
             </a:r>
             <a:r>
-              <a:rPr lang="en-US" altLang="zh-CN" sz="1400" dirty="0">
+              <a:rPr lang="en-US" altLang="zh-CN" sz="1600" dirty="0">
                 <a:latin typeface="+mn-ea"/>
               </a:rPr>
               <a:t>》</a:t>
             </a:r>
             <a:r>
-              <a:rPr lang="zh-CN" altLang="en-US" sz="1400" dirty="0">
+              <a:rPr lang="zh-CN" altLang="en-US" sz="1600" dirty="0">
                 <a:latin typeface="+mn-ea"/>
               </a:rPr>
               <a:t>（第五版）王珊 萨师煊 编著</a:t>
             </a:r>
-            <a:endParaRPr lang="en-US" altLang="zh-CN" sz="1400" dirty="0">
+            <a:endParaRPr lang="en-US" altLang="zh-CN" sz="1600" dirty="0">
               <a:latin typeface="+mn-ea"/>
             </a:endParaRPr>
           </a:p>
@@ -17624,134 +17435,32 @@
               <a:defRPr/>
             </a:pPr>
             <a:r>
-              <a:rPr lang="en-US" altLang="zh-CN" sz="1400" dirty="0">
+              <a:rPr lang="en-US" altLang="zh-CN" sz="1600" dirty="0">
                 <a:latin typeface="+mn-ea"/>
               </a:rPr>
               <a:t>4. 2019</a:t>
             </a:r>
             <a:r>
-              <a:rPr lang="zh-CN" altLang="en-US" sz="1400" dirty="0">
+              <a:rPr lang="zh-CN" altLang="en-US" sz="1600" dirty="0">
                 <a:latin typeface="+mn-ea"/>
               </a:rPr>
               <a:t>年</a:t>
             </a:r>
             <a:r>
-              <a:rPr lang="en-US" altLang="zh-CN" sz="1400" dirty="0">
+              <a:rPr lang="en-US" altLang="zh-CN" sz="1600" dirty="0">
                 <a:latin typeface="+mn-ea"/>
               </a:rPr>
               <a:t>IT</a:t>
             </a:r>
             <a:r>
-              <a:rPr lang="zh-CN" altLang="en-US" sz="1400" dirty="0">
+              <a:rPr lang="zh-CN" altLang="en-US" sz="1600" dirty="0">
                 <a:latin typeface="+mn-ea"/>
               </a:rPr>
               <a:t>行业平均年薪</a:t>
             </a:r>
-            <a:endParaRPr lang="en-US" altLang="zh-CN" sz="1400" dirty="0">
+            <a:endParaRPr lang="en-US" altLang="zh-CN" sz="1600" dirty="0">
               <a:latin typeface="+mn-ea"/>
             </a:endParaRPr>
-          </a:p>
-          <a:p>
-            <a:pPr marL="0" indent="0">
-              <a:lnSpc>
-                <a:spcPts val="3200"/>
-              </a:lnSpc>
-              <a:buSzPct val="70000"/>
-              <a:buNone/>
-              <a:defRPr/>
-            </a:pPr>
-            <a:r>
-              <a:rPr lang="en-US" altLang="zh-CN" sz="1400" dirty="0">
-                <a:latin typeface="+mn-ea"/>
-              </a:rPr>
-              <a:t>5.</a:t>
-            </a:r>
-            <a:r>
-              <a:rPr lang="zh-CN" altLang="en-US" sz="1400" dirty="0">
-                <a:latin typeface="+mn-ea"/>
-              </a:rPr>
-              <a:t>截图选自</a:t>
-            </a:r>
-            <a:r>
-              <a:rPr lang="en-US" altLang="zh-CN" sz="1400" dirty="0">
-                <a:latin typeface="+mn-ea"/>
-              </a:rPr>
-              <a:t>——</a:t>
-            </a:r>
-            <a:r>
-              <a:rPr lang="zh-CN" altLang="en-US" sz="1400" dirty="0">
-                <a:latin typeface="+mn-ea"/>
-              </a:rPr>
-              <a:t>游民星空</a:t>
-            </a:r>
-            <a:r>
-              <a:rPr lang="en-US" altLang="zh-CN" sz="1400" dirty="0">
-                <a:latin typeface="+mn-ea"/>
-              </a:rPr>
-              <a:t>-</a:t>
-            </a:r>
-            <a:r>
-              <a:rPr lang="zh-CN" altLang="en-US" sz="1400" dirty="0">
-                <a:latin typeface="+mn-ea"/>
-              </a:rPr>
-              <a:t>大型单价游戏媒体 </a:t>
-            </a:r>
-            <a:r>
-              <a:rPr lang="en-US" altLang="zh-CN" sz="1400" dirty="0">
-                <a:latin typeface="+mn-ea"/>
-              </a:rPr>
-              <a:t>2020</a:t>
-            </a:r>
-            <a:r>
-              <a:rPr lang="zh-CN" altLang="en-US" sz="1400" dirty="0">
-                <a:latin typeface="+mn-ea"/>
-              </a:rPr>
-              <a:t>年</a:t>
-            </a:r>
-            <a:r>
-              <a:rPr lang="en-US" altLang="zh-CN" sz="1400" dirty="0">
-                <a:latin typeface="+mn-ea"/>
-              </a:rPr>
-              <a:t>10</a:t>
-            </a:r>
-            <a:r>
-              <a:rPr lang="zh-CN" altLang="en-US" sz="1400" dirty="0">
-                <a:latin typeface="+mn-ea"/>
-              </a:rPr>
-              <a:t>月</a:t>
-            </a:r>
-            <a:r>
-              <a:rPr lang="en-US" altLang="zh-CN" sz="1400" dirty="0">
-                <a:latin typeface="+mn-ea"/>
-              </a:rPr>
-              <a:t>11</a:t>
-            </a:r>
-            <a:r>
-              <a:rPr lang="zh-CN" altLang="en-US" sz="1400" dirty="0">
-                <a:latin typeface="+mn-ea"/>
-              </a:rPr>
-              <a:t>日</a:t>
-            </a:r>
-            <a:endParaRPr lang="en-US" altLang="zh-CN" sz="1400" dirty="0">
-              <a:latin typeface="+mn-ea"/>
-            </a:endParaRPr>
-          </a:p>
-          <a:p>
-            <a:pPr marL="0" indent="0">
-              <a:lnSpc>
-                <a:spcPts val="3200"/>
-              </a:lnSpc>
-              <a:buSzPct val="70000"/>
-              <a:buNone/>
-              <a:defRPr/>
-            </a:pPr>
-            <a:r>
-              <a:rPr lang="en-US" altLang="zh-CN" sz="1400" dirty="0">
-                <a:latin typeface="+mn-ea"/>
-                <a:hlinkClick r:id="rId6"/>
-              </a:rPr>
-              <a:t>https://www.gamersky.com/</a:t>
-            </a:r>
           </a:p>
           <a:p>
             <a:pPr marL="0" indent="0">
@@ -17765,6 +17474,83 @@
             <a:endParaRPr lang="en-US" altLang="zh-CN" sz="1400" dirty="0">
               <a:latin typeface="+mn-ea"/>
             </a:endParaRPr>
+          </a:p>
+        </p:txBody>
+      </p:sp>
+    </p:spTree>
+    <p:custDataLst>
+      <p:tags r:id="rId1"/>
+    </p:custDataLst>
+  </p:cSld>
+  <p:clrMapOvr>
+    <a:masterClrMapping/>
+  </p:clrMapOvr>
+  <p:transition spd="slow">
+    <p:fade/>
+  </p:transition>
+</p:sld>
+</file>
+
+<file path=ppt/slides/slide19.xml><?xml version="1.0" encoding="utf-8"?>
+<p:sld xmlns:a="http://schemas.openxmlformats.org/drawingml/2006/main" xmlns:r="http://schemas.openxmlformats.org/officeDocument/2006/relationships" xmlns:p="http://schemas.openxmlformats.org/presentationml/2006/main">
+  <p:cSld>
+    <p:spTree>
+      <p:nvGrpSpPr>
+        <p:cNvPr id="1" name=""/>
+        <p:cNvGrpSpPr/>
+        <p:nvPr/>
+      </p:nvGrpSpPr>
+      <p:grpSpPr>
+        <a:xfrm>
+          <a:off x="0" y="0"/>
+          <a:ext cx="0" cy="0"/>
+          <a:chOff x="0" y="0"/>
+          <a:chExt cx="0" cy="0"/>
+        </a:xfrm>
+      </p:grpSpPr>
+      <p:sp>
+        <p:nvSpPr>
+          <p:cNvPr id="7" name="文本框 6"/>
+          <p:cNvSpPr txBox="1"/>
+          <p:nvPr>
+            <p:custDataLst>
+              <p:tags r:id="rId2"/>
+            </p:custDataLst>
+          </p:nvPr>
+        </p:nvSpPr>
+        <p:spPr>
+          <a:xfrm>
+            <a:off x="3333750" y="1888733"/>
+            <a:ext cx="2143125" cy="1985159"/>
+          </a:xfrm>
+          <a:prstGeom prst="rect">
+            <a:avLst/>
+          </a:prstGeom>
+          <a:noFill/>
+        </p:spPr>
+        <p:txBody>
+          <a:bodyPr wrap="square" lIns="67500" tIns="35100" rIns="67500" bIns="35100" rtlCol="0" anchor="ctr">
+            <a:normAutofit fontScale="77500" lnSpcReduction="20000"/>
+          </a:bodyPr>
+          <a:lstStyle>
+            <a:defPPr>
+              <a:defRPr lang="zh-CN"/>
+            </a:defPPr>
+            <a:lvl1pPr algn="ctr">
+              <a:defRPr sz="16600">
+                <a:solidFill>
+                  <a:schemeClr val="bg1"/>
+                </a:solidFill>
+                <a:cs typeface="Arial" panose="020B0604020202020204" pitchFamily="34" charset="0"/>
+              </a:defRPr>
+            </a:lvl1pPr>
+          </a:lstStyle>
+          <a:p>
+            <a:r>
+              <a:rPr lang="zh-CN" altLang="en-US" sz="9600"/>
+              <a:t>小组分工</a:t>
+            </a:r>
+            <a:endParaRPr lang="zh-CN" altLang="en-US" sz="9600" dirty="0"/>
           </a:p>
         </p:txBody>
       </p:sp>
@@ -17859,83 +17645,6 @@
 </file>
 
 <file path=ppt/slides/slide20.xml><?xml version="1.0" encoding="utf-8"?>
-<p:sld xmlns:a="http://schemas.openxmlformats.org/drawingml/2006/main" xmlns:r="http://schemas.openxmlformats.org/officeDocument/2006/relationships" xmlns:p="http://schemas.openxmlformats.org/presentationml/2006/main">
-  <p:cSld>
-    <p:spTree>
-      <p:nvGrpSpPr>
-        <p:cNvPr id="1" name=""/>
-        <p:cNvGrpSpPr/>
-        <p:nvPr/>
-      </p:nvGrpSpPr>
-      <p:grpSpPr>
-        <a:xfrm>
-          <a:off x="0" y="0"/>
-          <a:ext cx="0" cy="0"/>
-          <a:chOff x="0" y="0"/>
-          <a:chExt cx="0" cy="0"/>
-        </a:xfrm>
-      </p:grpSpPr>
-      <p:sp>
-        <p:nvSpPr>
-          <p:cNvPr id="7" name="文本框 6"/>
-          <p:cNvSpPr txBox="1"/>
-          <p:nvPr>
-            <p:custDataLst>
-              <p:tags r:id="rId2"/>
-            </p:custDataLst>
-          </p:nvPr>
-        </p:nvSpPr>
-        <p:spPr>
-          <a:xfrm>
-            <a:off x="3333750" y="1888733"/>
-            <a:ext cx="2143125" cy="1985159"/>
-          </a:xfrm>
-          <a:prstGeom prst="rect">
-            <a:avLst/>
-          </a:prstGeom>
-          <a:noFill/>
-        </p:spPr>
-        <p:txBody>
-          <a:bodyPr wrap="square" lIns="67500" tIns="35100" rIns="67500" bIns="35100" rtlCol="0" anchor="ctr">
-            <a:normAutofit fontScale="77500" lnSpcReduction="20000"/>
-          </a:bodyPr>
-          <a:lstStyle>
-            <a:defPPr>
-              <a:defRPr lang="zh-CN"/>
-            </a:defPPr>
-            <a:lvl1pPr algn="ctr">
-              <a:defRPr sz="16600">
-                <a:solidFill>
-                  <a:schemeClr val="bg1"/>
-                </a:solidFill>
-                <a:cs typeface="Arial" panose="020B0604020202020204" pitchFamily="34" charset="0"/>
-              </a:defRPr>
-            </a:lvl1pPr>
-          </a:lstStyle>
-          <a:p>
-            <a:r>
-              <a:rPr lang="zh-CN" altLang="en-US" sz="9600"/>
-              <a:t>小组分工</a:t>
-            </a:r>
-            <a:endParaRPr lang="zh-CN" altLang="en-US" sz="9600" dirty="0"/>
-          </a:p>
-        </p:txBody>
-      </p:sp>
-    </p:spTree>
-    <p:custDataLst>
-      <p:tags r:id="rId1"/>
-    </p:custDataLst>
-  </p:cSld>
-  <p:clrMapOvr>
-    <a:masterClrMapping/>
-  </p:clrMapOvr>
-  <p:transition spd="slow">
-    <p:fade/>
-  </p:transition>
-</p:sld>
-</file>
-
-<file path=ppt/slides/slide21.xml><?xml version="1.0" encoding="utf-8"?>
 <p:sld xmlns:a="http://schemas.openxmlformats.org/drawingml/2006/main" xmlns:r="http://schemas.openxmlformats.org/officeDocument/2006/relationships" xmlns:p="http://schemas.openxmlformats.org/presentationml/2006/main">
   <p:cSld>
     <p:spTree>
@@ -18500,7 +18209,55 @@
                 </a:solidFill>
                 <a:latin typeface="Arial" panose="020B0604020202020204" pitchFamily="34" charset="0"/>
               </a:rPr>
-              <a:t>陈安：工作图制作 评分 （</a:t>
+              <a:t>陈安</a:t>
+            </a:r>
+            <a:r>
+              <a:rPr lang="zh-CN" altLang="en-US" sz="1800" b="1" dirty="0" smtClean="0">
+                <a:solidFill>
+                  <a:srgbClr val="000000">
+                    <a:lumMod val="75000"/>
+                    <a:lumOff val="25000"/>
+                  </a:srgbClr>
+                </a:solidFill>
+                <a:latin typeface="Arial" panose="020B0604020202020204" pitchFamily="34" charset="0"/>
+              </a:rPr>
+              <a:t>：</a:t>
+            </a:r>
+            <a:r>
+              <a:rPr lang="en-US" altLang="zh-CN" sz="1800" b="1" dirty="0" smtClean="0">
+                <a:solidFill>
+                  <a:srgbClr val="000000">
+                    <a:lumMod val="75000"/>
+                    <a:lumOff val="25000"/>
+                  </a:srgbClr>
+                </a:solidFill>
+                <a:latin typeface="Arial" panose="020B0604020202020204" pitchFamily="34" charset="0"/>
+              </a:rPr>
+              <a:t>PPT</a:t>
+            </a:r>
+            <a:r>
+              <a:rPr lang="zh-CN" altLang="en-US" sz="1800" b="1" dirty="0" smtClean="0">
+                <a:solidFill>
+                  <a:srgbClr val="000000">
+                    <a:lumMod val="75000"/>
+                    <a:lumOff val="25000"/>
+                  </a:srgbClr>
+                </a:solidFill>
+                <a:latin typeface="Arial" panose="020B0604020202020204" pitchFamily="34" charset="0"/>
+              </a:rPr>
+              <a:t>部分的修改和工</a:t>
+            </a:r>
+            <a:r>
+              <a:rPr lang="zh-CN" altLang="en-US" sz="1800" b="1" dirty="0">
+                <a:solidFill>
+                  <a:srgbClr val="000000">
+                    <a:lumMod val="75000"/>
+                    <a:lumOff val="25000"/>
+                  </a:srgbClr>
+                </a:solidFill>
+                <a:latin typeface="Arial" panose="020B0604020202020204" pitchFamily="34" charset="0"/>
+              </a:rPr>
+              <a:t>作图制作 评分 （</a:t>
             </a:r>
             <a:r>
               <a:rPr lang="en-US" altLang="zh-CN" sz="1800" b="1" dirty="0">
@@ -18559,7 +18316,7 @@
 </p:sld>
 </file>
 
-<file path=ppt/slides/slide22.xml><?xml version="1.0" encoding="utf-8"?>
+<file path=ppt/slides/slide21.xml><?xml version="1.0" encoding="utf-8"?>
 <p:sld xmlns:a="http://schemas.openxmlformats.org/drawingml/2006/main" xmlns:r="http://schemas.openxmlformats.org/officeDocument/2006/relationships" xmlns:p="http://schemas.openxmlformats.org/presentationml/2006/main">
   <p:cSld>
     <p:spTree>
@@ -25658,13 +25415,65 @@
 
 <file path=ppt/tags/tag225.xml><?xml version="1.0" encoding="utf-8"?>
 <p:tagLst xmlns:a="http://schemas.openxmlformats.org/drawingml/2006/main" xmlns:r="http://schemas.openxmlformats.org/officeDocument/2006/relationships" xmlns:p="http://schemas.openxmlformats.org/presentationml/2006/main">
+  <p:tag name="KSO_WM_UNIT_HIGHLIGHT" val="0"/>
+  <p:tag name="KSO_WM_UNIT_COMPATIBLE" val="0"/>
+  <p:tag name="KSO_WM_UNIT_DIAGRAM_ISNUMVISUAL" val="0"/>
+  <p:tag name="KSO_WM_UNIT_DIAGRAM_ISREFERUNIT" val="0"/>
+  <p:tag name="KSO_WM_UNIT_ID" val="diagram20200773_1*f*1"/>
+  <p:tag name="KSO_WM_TEMPLATE_CATEGORY" val="diagram"/>
+  <p:tag name="KSO_WM_TEMPLATE_INDEX" val="20200773"/>
+  <p:tag name="KSO_WM_UNIT_LAYERLEVEL" val="1"/>
+  <p:tag name="KSO_WM_TAG_VERSION" val="1.0"/>
+  <p:tag name="KSO_WM_BEAUTIFY_FLAG" val="#wm#"/>
+  <p:tag name="KSO_WM_UNIT_PRESET_TEXT" val="单击此处添加文本具体内容，简明扼要的阐述您的观点。根据需要可酌情增减文字，以便观者准确的理解您传达的思想。单击此处添加文本具体内容，简明扼要的阐述您的观点。根据需要可酌情增减文字，以便观者准确的理解您传达的思想。单击此处添加文本具体内容，简明扼要的阐述您的观点。根据需要可酌情增减文字，以便观者准确的理解您传达的思想。&#10;单击此处添加文本具体内容，简明扼要的阐述您的观点。根据需要可酌情增减文字，以便观者准确的理解您传达的思想。&#10;单击此处添加文本具体内容，简明扼要的阐述您的观点。&#10;单击此处添加文本具体内容，简明扼要的阐述您的观点。&#10;单击此处添加文本具体内容，简明扼要的阐述您的观点。&#10;单击此处添加文本具体内容，简明扼要的阐述您的观点。根据需要可酌情增减文字，以便观者准确的理解您传达的思想。单击此处添加文本具体内容，简明扼要的阐述您的观点。根据需要可酌情增减文字，以便观者准确的理解您传达的思想。单击此处添加文本具体内容，简明扼要的阐述您的观点。根据需要可酌情增减文字，以便观者准确的理解您传达的思想。单击此处添加文本具体内容，简明扼要的阐述您的观点。&#10;单击此处添加文本具体内容，简明扼要的阐述您的观点。根据需要可酌情增减文字，以便观者准确的理解您传达的思想。单击此处添加文本具体内容，简明扼要的阐述您的观点。根据需要可酌情增减文字，以便观者准确的理解您传达的思想。&#10;单击此处添加文本具体内容，简明扼要的阐述您的观点。根据需要可酌情增减文字，以便观者准确的理解您传达的思想。单击此处添加文本具体内容，简明扼要的阐述您的观点。根据需要可酌情增减文字，以便观者准确的理解您传达的思想。单击此处添加文本具体内容，简明扼要的阐述您的观点。根据需要可酌情增减文字，以便观者准确的理解您传达的思想。&#10;单击此处添加文本具体内容。"/>
+  <p:tag name="KSO_WM_UNIT_NOCLEAR" val="0"/>
+  <p:tag name="KSO_WM_UNIT_VALUE" val="1680"/>
+  <p:tag name="KSO_WM_UNIT_TYPE" val="f"/>
+  <p:tag name="KSO_WM_UNIT_INDEX" val="1"/>
+</p:tagLst>
+</file>
+
+<file path=ppt/tags/tag226.xml><?xml version="1.0" encoding="utf-8"?>
+<p:tagLst xmlns:a="http://schemas.openxmlformats.org/drawingml/2006/main" xmlns:r="http://schemas.openxmlformats.org/officeDocument/2006/relationships" xmlns:p="http://schemas.openxmlformats.org/presentationml/2006/main">
+  <p:tag name="KSO_WM_UNIT_HIGHLIGHT" val="0"/>
+  <p:tag name="KSO_WM_UNIT_COMPATIBLE" val="0"/>
+  <p:tag name="KSO_WM_UNIT_DIAGRAM_ISNUMVISUAL" val="0"/>
+  <p:tag name="KSO_WM_UNIT_DIAGRAM_ISREFERUNIT" val="0"/>
+  <p:tag name="KSO_WM_UNIT_ID" val="diagram20200773_1*f*1"/>
+  <p:tag name="KSO_WM_TEMPLATE_CATEGORY" val="diagram"/>
+  <p:tag name="KSO_WM_TEMPLATE_INDEX" val="20200773"/>
+  <p:tag name="KSO_WM_UNIT_LAYERLEVEL" val="1"/>
+  <p:tag name="KSO_WM_TAG_VERSION" val="1.0"/>
+  <p:tag name="KSO_WM_BEAUTIFY_FLAG" val="#wm#"/>
+  <p:tag name="KSO_WM_UNIT_PRESET_TEXT" val="单击此处添加文本具体内容，简明扼要的阐述您的观点。根据需要可酌情增减文字，以便观者准确的理解您传达的思想。单击此处添加文本具体内容，简明扼要的阐述您的观点。根据需要可酌情增减文字，以便观者准确的理解您传达的思想。单击此处添加文本具体内容，简明扼要的阐述您的观点。根据需要可酌情增减文字，以便观者准确的理解您传达的思想。&#10;单击此处添加文本具体内容，简明扼要的阐述您的观点。根据需要可酌情增减文字，以便观者准确的理解您传达的思想。&#10;单击此处添加文本具体内容，简明扼要的阐述您的观点。&#10;单击此处添加文本具体内容，简明扼要的阐述您的观点。&#10;单击此处添加文本具体内容，简明扼要的阐述您的观点。&#10;单击此处添加文本具体内容，简明扼要的阐述您的观点。根据需要可酌情增减文字，以便观者准确的理解您传达的思想。单击此处添加文本具体内容，简明扼要的阐述您的观点。根据需要可酌情增减文字，以便观者准确的理解您传达的思想。单击此处添加文本具体内容，简明扼要的阐述您的观点。根据需要可酌情增减文字，以便观者准确的理解您传达的思想。单击此处添加文本具体内容，简明扼要的阐述您的观点。&#10;单击此处添加文本具体内容，简明扼要的阐述您的观点。根据需要可酌情增减文字，以便观者准确的理解您传达的思想。单击此处添加文本具体内容，简明扼要的阐述您的观点。根据需要可酌情增减文字，以便观者准确的理解您传达的思想。&#10;单击此处添加文本具体内容，简明扼要的阐述您的观点。根据需要可酌情增减文字，以便观者准确的理解您传达的思想。单击此处添加文本具体内容，简明扼要的阐述您的观点。根据需要可酌情增减文字，以便观者准确的理解您传达的思想。单击此处添加文本具体内容，简明扼要的阐述您的观点。根据需要可酌情增减文字，以便观者准确的理解您传达的思想。&#10;单击此处添加文本具体内容。"/>
+  <p:tag name="KSO_WM_UNIT_NOCLEAR" val="0"/>
+  <p:tag name="KSO_WM_UNIT_VALUE" val="1680"/>
+  <p:tag name="KSO_WM_UNIT_TYPE" val="f"/>
+  <p:tag name="KSO_WM_UNIT_INDEX" val="1"/>
+</p:tagLst>
+</file>
+
+<file path=ppt/tags/tag227.xml><?xml version="1.0" encoding="utf-8"?>
+<p:tagLst xmlns:a="http://schemas.openxmlformats.org/drawingml/2006/main" xmlns:r="http://schemas.openxmlformats.org/officeDocument/2006/relationships" xmlns:p="http://schemas.openxmlformats.org/presentationml/2006/main">
+  <p:tag name="KSO_WM_SLIDE_ID" val="diagram20200773_1"/>
+  <p:tag name="KSO_WM_SLIDE_ITEM_CNT" val="0"/>
+  <p:tag name="KSO_WM_SLIDE_INDEX" val="1"/>
+  <p:tag name="KSO_WM_TAG_VERSION" val="1.0"/>
   <p:tag name="KSO_WM_BEAUTIFY_FLAG" val="#wm#"/>
   <p:tag name="KSO_WM_TEMPLATE_CATEGORY" val="diagram"/>
   <p:tag name="KSO_WM_TEMPLATE_INDEX" val="20200773"/>
+  <p:tag name="KSO_WM_SLIDE_LAYOUT" val="a_f"/>
+  <p:tag name="KSO_WM_SLIDE_LAYOUT_CNT" val="1_1"/>
+  <p:tag name="KSO_WM_SLIDE_TYPE" val="text"/>
+  <p:tag name="KSO_WM_SLIDE_SUBTYPE" val="picTxt"/>
+  <p:tag name="KSO_WM_SLIDE_SIZE" val="960*511"/>
+  <p:tag name="KSO_WM_SLIDE_POSITION" val="0*0"/>
+  <p:tag name="KSO_WM_SLIDE_COLORSCHEME_VERSION" val="3.2"/>
+  <p:tag name="KSO_WM_TEMPLATE_SUBCATEGORY" val="0"/>
 </p:tagLst>
 </file>
 
-<file path=ppt/tags/tag226.xml><?xml version="1.0" encoding="utf-8"?>
+<file path=ppt/tags/tag228.xml><?xml version="1.0" encoding="utf-8"?>
 <p:tagLst xmlns:a="http://schemas.openxmlformats.org/drawingml/2006/main" xmlns:r="http://schemas.openxmlformats.org/officeDocument/2006/relationships" xmlns:p="http://schemas.openxmlformats.org/presentationml/2006/main">
   <p:tag name="KSO_WM_UNIT_HIGHLIGHT" val="0"/>
   <p:tag name="KSO_WM_UNIT_COMPATIBLE" val="0"/>
@@ -25681,7 +25490,7 @@
 </p:tagLst>
 </file>
 
-<file path=ppt/tags/tag227.xml><?xml version="1.0" encoding="utf-8"?>
+<file path=ppt/tags/tag229.xml><?xml version="1.0" encoding="utf-8"?>
 <p:tagLst xmlns:a="http://schemas.openxmlformats.org/drawingml/2006/main" xmlns:r="http://schemas.openxmlformats.org/officeDocument/2006/relationships" xmlns:p="http://schemas.openxmlformats.org/presentationml/2006/main">
   <p:tag name="KSO_WM_UNIT_HIGHLIGHT" val="0"/>
   <p:tag name="KSO_WM_UNIT_COMPATIBLE" val="0"/>
@@ -25702,7 +25511,20 @@
 </p:tagLst>
 </file>
 
-<file path=ppt/tags/tag228.xml><?xml version="1.0" encoding="utf-8"?>
+<file path=ppt/tags/tag23.xml><?xml version="1.0" encoding="utf-8"?>
+<p:tagLst xmlns:a="http://schemas.openxmlformats.org/drawingml/2006/main" xmlns:r="http://schemas.openxmlformats.org/officeDocument/2006/relationships" xmlns:p="http://schemas.openxmlformats.org/presentationml/2006/main">
+  <p:tag name="KSO_WM_UNIT_HIGHLIGHT" val="0"/>
+  <p:tag name="KSO_WM_UNIT_COMPATIBLE" val="0"/>
+  <p:tag name="KSO_WM_UNIT_DIAGRAM_ISNUMVISUAL" val="0"/>
+  <p:tag name="KSO_WM_UNIT_DIAGRAM_ISREFERUNIT" val="0"/>
+  <p:tag name="KSO_WM_UNIT_ID" val="_2**"/>
+  <p:tag name="KSO_WM_UNIT_LAYERLEVEL" val="1"/>
+  <p:tag name="KSO_WM_TAG_VERSION" val="1.0"/>
+  <p:tag name="KSO_WM_BEAUTIFY_FLAG" val="#wm#"/>
+</p:tagLst>
+</file>
+
+<file path=ppt/tags/tag230.xml><?xml version="1.0" encoding="utf-8"?>
 <p:tagLst xmlns:a="http://schemas.openxmlformats.org/drawingml/2006/main" xmlns:r="http://schemas.openxmlformats.org/officeDocument/2006/relationships" xmlns:p="http://schemas.openxmlformats.org/presentationml/2006/main">
   <p:tag name="KSO_WM_UNIT_HIGHLIGHT" val="0"/>
   <p:tag name="KSO_WM_UNIT_COMPATIBLE" val="0"/>
@@ -25722,40 +25544,45 @@
 </p:tagLst>
 </file>
 
-<file path=ppt/tags/tag229.xml><?xml version="1.0" encoding="utf-8"?>
+<file path=ppt/tags/tag231.xml><?xml version="1.0" encoding="utf-8"?>
 <p:tagLst xmlns:a="http://schemas.openxmlformats.org/drawingml/2006/main" xmlns:r="http://schemas.openxmlformats.org/officeDocument/2006/relationships" xmlns:p="http://schemas.openxmlformats.org/presentationml/2006/main">
+  <p:tag name="KSO_WM_TAG_VERSION" val="1.0"/>
+  <p:tag name="KSO_WM_SLIDE_ITEM_CNT" val="0"/>
+  <p:tag name="KSO_WM_SLIDE_LAYOUT" val="a_b_e"/>
+  <p:tag name="KSO_WM_SLIDE_LAYOUT_CNT" val="1_1_1"/>
+  <p:tag name="KSO_WM_SLIDE_TYPE" val="sectionTitle"/>
+  <p:tag name="KSO_WM_BEAUTIFY_FLAG" val="#wm#"/>
+  <p:tag name="KSO_WM_SLIDE_SUBTYPE" val="pureTxt"/>
+  <p:tag name="KSO_WM_COMBINE_RELATE_SLIDE_ID" val="background20185112_7"/>
+  <p:tag name="KSO_WM_TEMPLATE_CATEGORY" val="custom"/>
+  <p:tag name="KSO_WM_TEMPLATE_INDEX" val="20189051"/>
+  <p:tag name="KSO_WM_SLIDE_ID" val="custom20189051_7"/>
+  <p:tag name="KSO_WM_SLIDE_INDEX" val="7"/>
+  <p:tag name="KSO_WM_TEMPLATE_SUBCATEGORY" val="0"/>
+</p:tagLst>
+</file>
+
+<file path=ppt/tags/tag232.xml><?xml version="1.0" encoding="utf-8"?>
+<p:tagLst xmlns:a="http://schemas.openxmlformats.org/drawingml/2006/main" xmlns:r="http://schemas.openxmlformats.org/officeDocument/2006/relationships" xmlns:p="http://schemas.openxmlformats.org/presentationml/2006/main">
+  <p:tag name="KSO_WM_TAG_VERSION" val="1.0"/>
+  <p:tag name="KSO_WM_BEAUTIFY_FLAG" val="#wm#"/>
+  <p:tag name="KSO_WM_UNIT_TYPE" val="e"/>
+  <p:tag name="KSO_WM_UNIT_INDEX" val="1"/>
+  <p:tag name="KSO_WM_UNIT_LAYERLEVEL" val="1"/>
+  <p:tag name="KSO_WM_UNIT_VALUE" val="2"/>
   <p:tag name="KSO_WM_UNIT_HIGHLIGHT" val="0"/>
-  <p:tag name="KSO_WM_UNIT_COMPATIBLE" val="0"/>
+  <p:tag name="KSO_WM_UNIT_COMPATIBLE" val="1"/>
+  <p:tag name="KSO_WM_UNIT_PRESET_TEXT" val="01"/>
+  <p:tag name="KSO_WM_TEMPLATE_CATEGORY" val="custom"/>
+  <p:tag name="KSO_WM_TEMPLATE_INDEX" val="20189051"/>
+  <p:tag name="KSO_WM_UNIT_ID" val="custom20189051_7*e*1"/>
+  <p:tag name="KSO_WM_UNIT_NOCLEAR" val="0"/>
   <p:tag name="KSO_WM_UNIT_DIAGRAM_ISNUMVISUAL" val="0"/>
   <p:tag name="KSO_WM_UNIT_DIAGRAM_ISREFERUNIT" val="0"/>
-  <p:tag name="KSO_WM_UNIT_ID" val="diagram20200773_1*f*1"/>
-  <p:tag name="KSO_WM_TEMPLATE_CATEGORY" val="diagram"/>
-  <p:tag name="KSO_WM_TEMPLATE_INDEX" val="20200773"/>
-  <p:tag name="KSO_WM_UNIT_LAYERLEVEL" val="1"/>
-  <p:tag name="KSO_WM_TAG_VERSION" val="1.0"/>
-  <p:tag name="KSO_WM_BEAUTIFY_FLAG" val="#wm#"/>
-  <p:tag name="KSO_WM_UNIT_PRESET_TEXT" val="单击此处添加文本具体内容，简明扼要的阐述您的观点。根据需要可酌情增减文字，以便观者准确的理解您传达的思想。单击此处添加文本具体内容，简明扼要的阐述您的观点。根据需要可酌情增减文字，以便观者准确的理解您传达的思想。单击此处添加文本具体内容，简明扼要的阐述您的观点。根据需要可酌情增减文字，以便观者准确的理解您传达的思想。&#10;单击此处添加文本具体内容，简明扼要的阐述您的观点。根据需要可酌情增减文字，以便观者准确的理解您传达的思想。&#10;单击此处添加文本具体内容，简明扼要的阐述您的观点。&#10;单击此处添加文本具体内容，简明扼要的阐述您的观点。&#10;单击此处添加文本具体内容，简明扼要的阐述您的观点。&#10;单击此处添加文本具体内容，简明扼要的阐述您的观点。根据需要可酌情增减文字，以便观者准确的理解您传达的思想。单击此处添加文本具体内容，简明扼要的阐述您的观点。根据需要可酌情增减文字，以便观者准确的理解您传达的思想。单击此处添加文本具体内容，简明扼要的阐述您的观点。根据需要可酌情增减文字，以便观者准确的理解您传达的思想。单击此处添加文本具体内容，简明扼要的阐述您的观点。&#10;单击此处添加文本具体内容，简明扼要的阐述您的观点。根据需要可酌情增减文字，以便观者准确的理解您传达的思想。单击此处添加文本具体内容，简明扼要的阐述您的观点。根据需要可酌情增减文字，以便观者准确的理解您传达的思想。&#10;单击此处添加文本具体内容，简明扼要的阐述您的观点。根据需要可酌情增减文字，以便观者准确的理解您传达的思想。单击此处添加文本具体内容，简明扼要的阐述您的观点。根据需要可酌情增减文字，以便观者准确的理解您传达的思想。单击此处添加文本具体内容，简明扼要的阐述您的观点。根据需要可酌情增减文字，以便观者准确的理解您传达的思想。&#10;单击此处添加文本具体内容。"/>
-  <p:tag name="KSO_WM_UNIT_NOCLEAR" val="0"/>
-  <p:tag name="KSO_WM_UNIT_VALUE" val="1680"/>
-  <p:tag name="KSO_WM_UNIT_TYPE" val="f"/>
-  <p:tag name="KSO_WM_UNIT_INDEX" val="1"/>
 </p:tagLst>
 </file>
 
-<file path=ppt/tags/tag23.xml><?xml version="1.0" encoding="utf-8"?>
-<p:tagLst xmlns:a="http://schemas.openxmlformats.org/drawingml/2006/main" xmlns:r="http://schemas.openxmlformats.org/officeDocument/2006/relationships" xmlns:p="http://schemas.openxmlformats.org/presentationml/2006/main">
-  <p:tag name="KSO_WM_UNIT_HIGHLIGHT" val="0"/>
-  <p:tag name="KSO_WM_UNIT_COMPATIBLE" val="0"/>
-  <p:tag name="KSO_WM_UNIT_DIAGRAM_ISNUMVISUAL" val="0"/>
-  <p:tag name="KSO_WM_UNIT_DIAGRAM_ISREFERUNIT" val="0"/>
-  <p:tag name="KSO_WM_UNIT_ID" val="_2**"/>
-  <p:tag name="KSO_WM_UNIT_LAYERLEVEL" val="1"/>
-  <p:tag name="KSO_WM_TAG_VERSION" val="1.0"/>
-  <p:tag name="KSO_WM_BEAUTIFY_FLAG" val="#wm#"/>
-</p:tagLst>
-</file>
-
-<file path=ppt/tags/tag230.xml><?xml version="1.0" encoding="utf-8"?>
+<file path=ppt/tags/tag233.xml><?xml version="1.0" encoding="utf-8"?>
 <p:tagLst xmlns:a="http://schemas.openxmlformats.org/drawingml/2006/main" xmlns:r="http://schemas.openxmlformats.org/officeDocument/2006/relationships" xmlns:p="http://schemas.openxmlformats.org/presentationml/2006/main">
   <p:tag name="KSO_WM_SLIDE_ID" val="diagram20200773_1"/>
   <p:tag name="KSO_WM_SLIDE_ITEM_CNT" val="0"/>
@@ -25775,7 +25602,7 @@
 </p:tagLst>
 </file>
 
-<file path=ppt/tags/tag231.xml><?xml version="1.0" encoding="utf-8"?>
+<file path=ppt/tags/tag234.xml><?xml version="1.0" encoding="utf-8"?>
 <p:tagLst xmlns:a="http://schemas.openxmlformats.org/drawingml/2006/main" xmlns:r="http://schemas.openxmlformats.org/officeDocument/2006/relationships" xmlns:p="http://schemas.openxmlformats.org/presentationml/2006/main">
   <p:tag name="KSO_WM_UNIT_HIGHLIGHT" val="0"/>
   <p:tag name="KSO_WM_UNIT_COMPATIBLE" val="0"/>
@@ -25792,7 +25619,7 @@
 </p:tagLst>
 </file>
 
-<file path=ppt/tags/tag232.xml><?xml version="1.0" encoding="utf-8"?>
+<file path=ppt/tags/tag235.xml><?xml version="1.0" encoding="utf-8"?>
 <p:tagLst xmlns:a="http://schemas.openxmlformats.org/drawingml/2006/main" xmlns:r="http://schemas.openxmlformats.org/officeDocument/2006/relationships" xmlns:p="http://schemas.openxmlformats.org/presentationml/2006/main">
   <p:tag name="KSO_WM_UNIT_HIGHLIGHT" val="0"/>
   <p:tag name="KSO_WM_UNIT_COMPATIBLE" val="0"/>
@@ -25813,7 +25640,7 @@
 </p:tagLst>
 </file>
 
-<file path=ppt/tags/tag233.xml><?xml version="1.0" encoding="utf-8"?>
+<file path=ppt/tags/tag236.xml><?xml version="1.0" encoding="utf-8"?>
 <p:tagLst xmlns:a="http://schemas.openxmlformats.org/drawingml/2006/main" xmlns:r="http://schemas.openxmlformats.org/officeDocument/2006/relationships" xmlns:p="http://schemas.openxmlformats.org/presentationml/2006/main">
   <p:tag name="KSO_WM_UNIT_HIGHLIGHT" val="0"/>
   <p:tag name="KSO_WM_UNIT_COMPATIBLE" val="0"/>
@@ -25833,136 +25660,7 @@
 </p:tagLst>
 </file>
 
-<file path=ppt/tags/tag234.xml><?xml version="1.0" encoding="utf-8"?>
-<p:tagLst xmlns:a="http://schemas.openxmlformats.org/drawingml/2006/main" xmlns:r="http://schemas.openxmlformats.org/officeDocument/2006/relationships" xmlns:p="http://schemas.openxmlformats.org/presentationml/2006/main">
-  <p:tag name="KSO_WM_TAG_VERSION" val="1.0"/>
-  <p:tag name="KSO_WM_SLIDE_ITEM_CNT" val="0"/>
-  <p:tag name="KSO_WM_SLIDE_LAYOUT" val="a_b_e"/>
-  <p:tag name="KSO_WM_SLIDE_LAYOUT_CNT" val="1_1_1"/>
-  <p:tag name="KSO_WM_SLIDE_TYPE" val="sectionTitle"/>
-  <p:tag name="KSO_WM_BEAUTIFY_FLAG" val="#wm#"/>
-  <p:tag name="KSO_WM_SLIDE_SUBTYPE" val="pureTxt"/>
-  <p:tag name="KSO_WM_COMBINE_RELATE_SLIDE_ID" val="background20185112_7"/>
-  <p:tag name="KSO_WM_TEMPLATE_CATEGORY" val="custom"/>
-  <p:tag name="KSO_WM_TEMPLATE_INDEX" val="20189051"/>
-  <p:tag name="KSO_WM_SLIDE_ID" val="custom20189051_7"/>
-  <p:tag name="KSO_WM_SLIDE_INDEX" val="7"/>
-  <p:tag name="KSO_WM_TEMPLATE_SUBCATEGORY" val="0"/>
-</p:tagLst>
-</file>
-
-<file path=ppt/tags/tag235.xml><?xml version="1.0" encoding="utf-8"?>
-<p:tagLst xmlns:a="http://schemas.openxmlformats.org/drawingml/2006/main" xmlns:r="http://schemas.openxmlformats.org/officeDocument/2006/relationships" xmlns:p="http://schemas.openxmlformats.org/presentationml/2006/main">
-  <p:tag name="KSO_WM_TAG_VERSION" val="1.0"/>
-  <p:tag name="KSO_WM_BEAUTIFY_FLAG" val="#wm#"/>
-  <p:tag name="KSO_WM_UNIT_TYPE" val="e"/>
-  <p:tag name="KSO_WM_UNIT_INDEX" val="1"/>
-  <p:tag name="KSO_WM_UNIT_LAYERLEVEL" val="1"/>
-  <p:tag name="KSO_WM_UNIT_VALUE" val="2"/>
-  <p:tag name="KSO_WM_UNIT_HIGHLIGHT" val="0"/>
-  <p:tag name="KSO_WM_UNIT_COMPATIBLE" val="1"/>
-  <p:tag name="KSO_WM_UNIT_PRESET_TEXT" val="01"/>
-  <p:tag name="KSO_WM_TEMPLATE_CATEGORY" val="custom"/>
-  <p:tag name="KSO_WM_TEMPLATE_INDEX" val="20189051"/>
-  <p:tag name="KSO_WM_UNIT_ID" val="custom20189051_7*e*1"/>
-  <p:tag name="KSO_WM_UNIT_NOCLEAR" val="0"/>
-  <p:tag name="KSO_WM_UNIT_DIAGRAM_ISNUMVISUAL" val="0"/>
-  <p:tag name="KSO_WM_UNIT_DIAGRAM_ISREFERUNIT" val="0"/>
-</p:tagLst>
-</file>
-
-<file path=ppt/tags/tag236.xml><?xml version="1.0" encoding="utf-8"?>
-<p:tagLst xmlns:a="http://schemas.openxmlformats.org/drawingml/2006/main" xmlns:r="http://schemas.openxmlformats.org/officeDocument/2006/relationships" xmlns:p="http://schemas.openxmlformats.org/presentationml/2006/main">
-  <p:tag name="KSO_WM_SLIDE_ID" val="diagram20200773_1"/>
-  <p:tag name="KSO_WM_SLIDE_ITEM_CNT" val="0"/>
-  <p:tag name="KSO_WM_SLIDE_INDEX" val="1"/>
-  <p:tag name="KSO_WM_TAG_VERSION" val="1.0"/>
-  <p:tag name="KSO_WM_BEAUTIFY_FLAG" val="#wm#"/>
-  <p:tag name="KSO_WM_TEMPLATE_CATEGORY" val="diagram"/>
-  <p:tag name="KSO_WM_TEMPLATE_INDEX" val="20200773"/>
-  <p:tag name="KSO_WM_SLIDE_LAYOUT" val="a_f"/>
-  <p:tag name="KSO_WM_SLIDE_LAYOUT_CNT" val="1_1"/>
-  <p:tag name="KSO_WM_SLIDE_TYPE" val="text"/>
-  <p:tag name="KSO_WM_SLIDE_SUBTYPE" val="picTxt"/>
-  <p:tag name="KSO_WM_SLIDE_SIZE" val="960*511"/>
-  <p:tag name="KSO_WM_SLIDE_POSITION" val="0*0"/>
-  <p:tag name="KSO_WM_SLIDE_COLORSCHEME_VERSION" val="3.2"/>
-  <p:tag name="KSO_WM_TEMPLATE_SUBCATEGORY" val="0"/>
-</p:tagLst>
-</file>
-
 <file path=ppt/tags/tag237.xml><?xml version="1.0" encoding="utf-8"?>
-<p:tagLst xmlns:a="http://schemas.openxmlformats.org/drawingml/2006/main" xmlns:r="http://schemas.openxmlformats.org/officeDocument/2006/relationships" xmlns:p="http://schemas.openxmlformats.org/presentationml/2006/main">
-  <p:tag name="KSO_WM_UNIT_HIGHLIGHT" val="0"/>
-  <p:tag name="KSO_WM_UNIT_COMPATIBLE" val="0"/>
-  <p:tag name="KSO_WM_UNIT_DIAGRAM_ISNUMVISUAL" val="0"/>
-  <p:tag name="KSO_WM_UNIT_DIAGRAM_ISREFERUNIT" val="0"/>
-  <p:tag name="KSO_WM_UNIT_ID" val="diagram20200773_1*i*1"/>
-  <p:tag name="KSO_WM_TEMPLATE_CATEGORY" val="diagram"/>
-  <p:tag name="KSO_WM_TEMPLATE_INDEX" val="20200773"/>
-  <p:tag name="KSO_WM_UNIT_LAYERLEVEL" val="1"/>
-  <p:tag name="KSO_WM_TAG_VERSION" val="1.0"/>
-  <p:tag name="KSO_WM_BEAUTIFY_FLAG" val="#wm#"/>
-  <p:tag name="KSO_WM_UNIT_TYPE" val="i"/>
-  <p:tag name="KSO_WM_UNIT_INDEX" val="1"/>
-</p:tagLst>
-</file>
-
-<file path=ppt/tags/tag238.xml><?xml version="1.0" encoding="utf-8"?>
-<p:tagLst xmlns:a="http://schemas.openxmlformats.org/drawingml/2006/main" xmlns:r="http://schemas.openxmlformats.org/officeDocument/2006/relationships" xmlns:p="http://schemas.openxmlformats.org/presentationml/2006/main">
-  <p:tag name="KSO_WM_UNIT_HIGHLIGHT" val="0"/>
-  <p:tag name="KSO_WM_UNIT_COMPATIBLE" val="0"/>
-  <p:tag name="KSO_WM_UNIT_DIAGRAM_ISNUMVISUAL" val="0"/>
-  <p:tag name="KSO_WM_UNIT_DIAGRAM_ISREFERUNIT" val="0"/>
-  <p:tag name="KSO_WM_UNIT_ID" val="diagram20200773_1*a*1"/>
-  <p:tag name="KSO_WM_TEMPLATE_CATEGORY" val="diagram"/>
-  <p:tag name="KSO_WM_TEMPLATE_INDEX" val="20200773"/>
-  <p:tag name="KSO_WM_UNIT_LAYERLEVEL" val="1"/>
-  <p:tag name="KSO_WM_TAG_VERSION" val="1.0"/>
-  <p:tag name="KSO_WM_BEAUTIFY_FLAG" val="#wm#"/>
-  <p:tag name="KSO_WM_UNIT_ISCONTENTSTITLE" val="0"/>
-  <p:tag name="KSO_WM_UNIT_PRESET_TEXT" val="单击此处添加标题"/>
-  <p:tag name="KSO_WM_UNIT_NOCLEAR" val="0"/>
-  <p:tag name="KSO_WM_UNIT_VALUE" val="42"/>
-  <p:tag name="KSO_WM_UNIT_TYPE" val="a"/>
-  <p:tag name="KSO_WM_UNIT_INDEX" val="1"/>
-</p:tagLst>
-</file>
-
-<file path=ppt/tags/tag239.xml><?xml version="1.0" encoding="utf-8"?>
-<p:tagLst xmlns:a="http://schemas.openxmlformats.org/drawingml/2006/main" xmlns:r="http://schemas.openxmlformats.org/officeDocument/2006/relationships" xmlns:p="http://schemas.openxmlformats.org/presentationml/2006/main">
-  <p:tag name="KSO_WM_UNIT_HIGHLIGHT" val="0"/>
-  <p:tag name="KSO_WM_UNIT_COMPATIBLE" val="0"/>
-  <p:tag name="KSO_WM_UNIT_DIAGRAM_ISNUMVISUAL" val="0"/>
-  <p:tag name="KSO_WM_UNIT_DIAGRAM_ISREFERUNIT" val="0"/>
-  <p:tag name="KSO_WM_UNIT_ID" val="diagram20200773_1*f*1"/>
-  <p:tag name="KSO_WM_TEMPLATE_CATEGORY" val="diagram"/>
-  <p:tag name="KSO_WM_TEMPLATE_INDEX" val="20200773"/>
-  <p:tag name="KSO_WM_UNIT_LAYERLEVEL" val="1"/>
-  <p:tag name="KSO_WM_TAG_VERSION" val="1.0"/>
-  <p:tag name="KSO_WM_BEAUTIFY_FLAG" val="#wm#"/>
-  <p:tag name="KSO_WM_UNIT_PRESET_TEXT" val="单击此处添加文本具体内容，简明扼要的阐述您的观点。根据需要可酌情增减文字，以便观者准确的理解您传达的思想。单击此处添加文本具体内容，简明扼要的阐述您的观点。根据需要可酌情增减文字，以便观者准确的理解您传达的思想。单击此处添加文本具体内容，简明扼要的阐述您的观点。根据需要可酌情增减文字，以便观者准确的理解您传达的思想。&#10;单击此处添加文本具体内容，简明扼要的阐述您的观点。根据需要可酌情增减文字，以便观者准确的理解您传达的思想。&#10;单击此处添加文本具体内容，简明扼要的阐述您的观点。&#10;单击此处添加文本具体内容，简明扼要的阐述您的观点。&#10;单击此处添加文本具体内容，简明扼要的阐述您的观点。&#10;单击此处添加文本具体内容，简明扼要的阐述您的观点。根据需要可酌情增减文字，以便观者准确的理解您传达的思想。单击此处添加文本具体内容，简明扼要的阐述您的观点。根据需要可酌情增减文字，以便观者准确的理解您传达的思想。单击此处添加文本具体内容，简明扼要的阐述您的观点。根据需要可酌情增减文字，以便观者准确的理解您传达的思想。单击此处添加文本具体内容，简明扼要的阐述您的观点。&#10;单击此处添加文本具体内容，简明扼要的阐述您的观点。根据需要可酌情增减文字，以便观者准确的理解您传达的思想。单击此处添加文本具体内容，简明扼要的阐述您的观点。根据需要可酌情增减文字，以便观者准确的理解您传达的思想。&#10;单击此处添加文本具体内容，简明扼要的阐述您的观点。根据需要可酌情增减文字，以便观者准确的理解您传达的思想。单击此处添加文本具体内容，简明扼要的阐述您的观点。根据需要可酌情增减文字，以便观者准确的理解您传达的思想。单击此处添加文本具体内容，简明扼要的阐述您的观点。根据需要可酌情增减文字，以便观者准确的理解您传达的思想。&#10;单击此处添加文本具体内容。"/>
-  <p:tag name="KSO_WM_UNIT_NOCLEAR" val="0"/>
-  <p:tag name="KSO_WM_UNIT_VALUE" val="1680"/>
-  <p:tag name="KSO_WM_UNIT_TYPE" val="f"/>
-  <p:tag name="KSO_WM_UNIT_INDEX" val="1"/>
-</p:tagLst>
-</file>
-
-<file path=ppt/tags/tag24.xml><?xml version="1.0" encoding="utf-8"?>
-<p:tagLst xmlns:a="http://schemas.openxmlformats.org/drawingml/2006/main" xmlns:r="http://schemas.openxmlformats.org/officeDocument/2006/relationships" xmlns:p="http://schemas.openxmlformats.org/presentationml/2006/main">
-  <p:tag name="KSO_WM_UNIT_HIGHLIGHT" val="0"/>
-  <p:tag name="KSO_WM_UNIT_COMPATIBLE" val="0"/>
-  <p:tag name="KSO_WM_UNIT_DIAGRAM_ISNUMVISUAL" val="0"/>
-  <p:tag name="KSO_WM_UNIT_DIAGRAM_ISREFERUNIT" val="0"/>
-  <p:tag name="KSO_WM_UNIT_ID" val="_2**"/>
-  <p:tag name="KSO_WM_UNIT_LAYERLEVEL" val="1"/>
-  <p:tag name="KSO_WM_TAG_VERSION" val="1.0"/>
-  <p:tag name="KSO_WM_BEAUTIFY_FLAG" val="#wm#"/>
-</p:tagLst>
-</file>
-
-<file path=ppt/tags/tag240.xml><?xml version="1.0" encoding="utf-8"?>
 <p:tagLst xmlns:a="http://schemas.openxmlformats.org/drawingml/2006/main" xmlns:r="http://schemas.openxmlformats.org/officeDocument/2006/relationships" xmlns:p="http://schemas.openxmlformats.org/presentationml/2006/main">
   <p:tag name="KSO_WM_TAG_VERSION" val="1.0"/>
   <p:tag name="KSO_WM_SLIDE_ITEM_CNT" val="0"/>
@@ -25980,7 +25678,7 @@
 </p:tagLst>
 </file>
 
-<file path=ppt/tags/tag241.xml><?xml version="1.0" encoding="utf-8"?>
+<file path=ppt/tags/tag238.xml><?xml version="1.0" encoding="utf-8"?>
 <p:tagLst xmlns:a="http://schemas.openxmlformats.org/drawingml/2006/main" xmlns:r="http://schemas.openxmlformats.org/officeDocument/2006/relationships" xmlns:p="http://schemas.openxmlformats.org/presentationml/2006/main">
   <p:tag name="KSO_WM_TAG_VERSION" val="1.0"/>
   <p:tag name="KSO_WM_BEAUTIFY_FLAG" val="#wm#"/>
@@ -26001,7 +25699,7 @@
 </p:tagLst>
 </file>
 
-<file path=ppt/tags/tag242.xml><?xml version="1.0" encoding="utf-8"?>
+<file path=ppt/tags/tag239.xml><?xml version="1.0" encoding="utf-8"?>
 <p:tagLst xmlns:a="http://schemas.openxmlformats.org/drawingml/2006/main" xmlns:r="http://schemas.openxmlformats.org/officeDocument/2006/relationships" xmlns:p="http://schemas.openxmlformats.org/presentationml/2006/main">
   <p:tag name="KSO_WM_TAG_VERSION" val="1.0"/>
   <p:tag name="KSO_WM_BEAUTIFY_FLAG" val="#wm#"/>
@@ -26019,6 +25717,19 @@
   <p:tag name="KSO_WM_UNIT_NOCLEAR" val="0"/>
   <p:tag name="KSO_WM_UNIT_DIAGRAM_ISNUMVISUAL" val="0"/>
   <p:tag name="KSO_WM_UNIT_DIAGRAM_ISREFERUNIT" val="0"/>
+</p:tagLst>
+</file>
+
+<file path=ppt/tags/tag24.xml><?xml version="1.0" encoding="utf-8"?>
+<p:tagLst xmlns:a="http://schemas.openxmlformats.org/drawingml/2006/main" xmlns:r="http://schemas.openxmlformats.org/officeDocument/2006/relationships" xmlns:p="http://schemas.openxmlformats.org/presentationml/2006/main">
+  <p:tag name="KSO_WM_UNIT_HIGHLIGHT" val="0"/>
+  <p:tag name="KSO_WM_UNIT_COMPATIBLE" val="0"/>
+  <p:tag name="KSO_WM_UNIT_DIAGRAM_ISNUMVISUAL" val="0"/>
+  <p:tag name="KSO_WM_UNIT_DIAGRAM_ISREFERUNIT" val="0"/>
+  <p:tag name="KSO_WM_UNIT_ID" val="_2**"/>
+  <p:tag name="KSO_WM_UNIT_LAYERLEVEL" val="1"/>
+  <p:tag name="KSO_WM_TAG_VERSION" val="1.0"/>
+  <p:tag name="KSO_WM_BEAUTIFY_FLAG" val="#wm#"/>
 </p:tagLst>
 </file>
 

--- a/项目计划书/G01小组项目计划PPT0.3.pptx
+++ b/项目计划书/G01小组项目计划PPT0.3.pptx
@@ -13735,28 +13735,28 @@
                 <a:gridCol w="1947861">
                   <a:extLst>
                     <a:ext uri="{9D8B030D-6E8A-4147-A177-3AD203B41FA5}">
-                      <a16:colId xmlns:a16="http://schemas.microsoft.com/office/drawing/2014/main" xmlns="" val="20000"/>
+                      <a16:colId xmlns:a16="http://schemas.microsoft.com/office/drawing/2014/main" val="20000"/>
                     </a:ext>
                   </a:extLst>
                 </a:gridCol>
                 <a:gridCol w="2016224">
                   <a:extLst>
                     <a:ext uri="{9D8B030D-6E8A-4147-A177-3AD203B41FA5}">
-                      <a16:colId xmlns:a16="http://schemas.microsoft.com/office/drawing/2014/main" xmlns="" val="20001"/>
+                      <a16:colId xmlns:a16="http://schemas.microsoft.com/office/drawing/2014/main" val="20001"/>
                     </a:ext>
                   </a:extLst>
                 </a:gridCol>
                 <a:gridCol w="2088232">
                   <a:extLst>
                     <a:ext uri="{9D8B030D-6E8A-4147-A177-3AD203B41FA5}">
-                      <a16:colId xmlns:a16="http://schemas.microsoft.com/office/drawing/2014/main" xmlns="" val="20002"/>
+                      <a16:colId xmlns:a16="http://schemas.microsoft.com/office/drawing/2014/main" val="20002"/>
                     </a:ext>
                   </a:extLst>
                 </a:gridCol>
                 <a:gridCol w="2660651">
                   <a:extLst>
                     <a:ext uri="{9D8B030D-6E8A-4147-A177-3AD203B41FA5}">
-                      <a16:colId xmlns:a16="http://schemas.microsoft.com/office/drawing/2014/main" xmlns="" val="20003"/>
+                      <a16:colId xmlns:a16="http://schemas.microsoft.com/office/drawing/2014/main" val="20003"/>
                     </a:ext>
                   </a:extLst>
                 </a:gridCol>
@@ -13880,7 +13880,7 @@
                 </a:tc>
                 <a:extLst>
                   <a:ext uri="{0D108BD9-81ED-4DB2-BD59-A6C34878D82A}">
-                    <a16:rowId xmlns:a16="http://schemas.microsoft.com/office/drawing/2014/main" xmlns="" val="10000"/>
+                    <a16:rowId xmlns:a16="http://schemas.microsoft.com/office/drawing/2014/main" val="10000"/>
                   </a:ext>
                 </a:extLst>
               </a:tr>
@@ -13991,7 +13991,7 @@
                 </a:tc>
                 <a:extLst>
                   <a:ext uri="{0D108BD9-81ED-4DB2-BD59-A6C34878D82A}">
-                    <a16:rowId xmlns:a16="http://schemas.microsoft.com/office/drawing/2014/main" xmlns="" val="10001"/>
+                    <a16:rowId xmlns:a16="http://schemas.microsoft.com/office/drawing/2014/main" val="10001"/>
                   </a:ext>
                 </a:extLst>
               </a:tr>
@@ -14102,7 +14102,7 @@
                 </a:tc>
                 <a:extLst>
                   <a:ext uri="{0D108BD9-81ED-4DB2-BD59-A6C34878D82A}">
-                    <a16:rowId xmlns:a16="http://schemas.microsoft.com/office/drawing/2014/main" xmlns="" val="10002"/>
+                    <a16:rowId xmlns:a16="http://schemas.microsoft.com/office/drawing/2014/main" val="10002"/>
                   </a:ext>
                 </a:extLst>
               </a:tr>
@@ -14243,7 +14243,7 @@
                 </a:tc>
                 <a:extLst>
                   <a:ext uri="{0D108BD9-81ED-4DB2-BD59-A6C34878D82A}">
-                    <a16:rowId xmlns:a16="http://schemas.microsoft.com/office/drawing/2014/main" xmlns="" val="10003"/>
+                    <a16:rowId xmlns:a16="http://schemas.microsoft.com/office/drawing/2014/main" val="10003"/>
                   </a:ext>
                 </a:extLst>
               </a:tr>
@@ -16018,21 +16018,21 @@
                 <a:gridCol w="2032000">
                   <a:extLst>
                     <a:ext uri="{9D8B030D-6E8A-4147-A177-3AD203B41FA5}">
-                      <a16:colId xmlns:a16="http://schemas.microsoft.com/office/drawing/2014/main" xmlns="" val="20000"/>
+                      <a16:colId xmlns:a16="http://schemas.microsoft.com/office/drawing/2014/main" val="20000"/>
                     </a:ext>
                   </a:extLst>
                 </a:gridCol>
                 <a:gridCol w="2032000">
                   <a:extLst>
                     <a:ext uri="{9D8B030D-6E8A-4147-A177-3AD203B41FA5}">
-                      <a16:colId xmlns:a16="http://schemas.microsoft.com/office/drawing/2014/main" xmlns="" val="20001"/>
+                      <a16:colId xmlns:a16="http://schemas.microsoft.com/office/drawing/2014/main" val="20001"/>
                     </a:ext>
                   </a:extLst>
                 </a:gridCol>
                 <a:gridCol w="2032000">
                   <a:extLst>
                     <a:ext uri="{9D8B030D-6E8A-4147-A177-3AD203B41FA5}">
-                      <a16:colId xmlns:a16="http://schemas.microsoft.com/office/drawing/2014/main" xmlns="" val="20002"/>
+                      <a16:colId xmlns:a16="http://schemas.microsoft.com/office/drawing/2014/main" val="20002"/>
                     </a:ext>
                   </a:extLst>
                 </a:gridCol>
@@ -16091,7 +16091,7 @@
                 </a:tc>
                 <a:extLst>
                   <a:ext uri="{0D108BD9-81ED-4DB2-BD59-A6C34878D82A}">
-                    <a16:rowId xmlns:a16="http://schemas.microsoft.com/office/drawing/2014/main" xmlns="" val="10000"/>
+                    <a16:rowId xmlns:a16="http://schemas.microsoft.com/office/drawing/2014/main" val="10000"/>
                   </a:ext>
                 </a:extLst>
               </a:tr>
@@ -16115,11 +16115,11 @@
                     <a:lstStyle/>
                     <a:p>
                       <a:r>
-                        <a:rPr lang="zh-CN" altLang="en-US" sz="2400" dirty="0" smtClean="0"/>
+                        <a:rPr lang="zh-CN" altLang="en-US" sz="2400" dirty="0"/>
                         <a:t>￥</a:t>
                       </a:r>
                       <a:r>
-                        <a:rPr lang="en-US" altLang="zh-CN" sz="2400" dirty="0" smtClean="0"/>
+                        <a:rPr lang="en-US" altLang="zh-CN" sz="2400" dirty="0"/>
                         <a:t>91.9/</a:t>
                       </a:r>
                       <a:r>
@@ -16142,14 +16142,10 @@
                     <a:p>
                       <a:r>
                         <a:rPr lang="zh-CN" altLang="en-US" sz="2400" dirty="0"/>
-                        <a:t>约</a:t>
+                        <a:t>约￥</a:t>
                       </a:r>
                       <a:r>
-                        <a:rPr lang="zh-CN" altLang="en-US" sz="2400" dirty="0" smtClean="0"/>
-                        <a:t>￥</a:t>
-                      </a:r>
-                      <a:r>
-                        <a:rPr lang="en-US" altLang="zh-CN" sz="2400" dirty="0" smtClean="0"/>
+                        <a:rPr lang="en-US" altLang="zh-CN" sz="2400" dirty="0"/>
                         <a:t>550/</a:t>
                       </a:r>
                       <a:r>
@@ -16162,7 +16158,7 @@
                 </a:tc>
                 <a:extLst>
                   <a:ext uri="{0D108BD9-81ED-4DB2-BD59-A6C34878D82A}">
-                    <a16:rowId xmlns:a16="http://schemas.microsoft.com/office/drawing/2014/main" xmlns="" val="10001"/>
+                    <a16:rowId xmlns:a16="http://schemas.microsoft.com/office/drawing/2014/main" val="10001"/>
                   </a:ext>
                 </a:extLst>
               </a:tr>
@@ -16218,7 +16214,7 @@
                 </a:tc>
                 <a:extLst>
                   <a:ext uri="{0D108BD9-81ED-4DB2-BD59-A6C34878D82A}">
-                    <a16:rowId xmlns:a16="http://schemas.microsoft.com/office/drawing/2014/main" xmlns="" val="10002"/>
+                    <a16:rowId xmlns:a16="http://schemas.microsoft.com/office/drawing/2014/main" val="10002"/>
                   </a:ext>
                 </a:extLst>
               </a:tr>
@@ -16230,14 +16226,10 @@
                     <a:p>
                       <a:r>
                         <a:rPr lang="zh-CN" altLang="en-US" sz="2400" dirty="0"/>
-                        <a:t>工具支</a:t>
+                        <a:t>工具支出</a:t>
                       </a:r>
                       <a:r>
-                        <a:rPr lang="zh-CN" altLang="en-US" sz="2400" dirty="0" smtClean="0"/>
-                        <a:t>出</a:t>
-                      </a:r>
-                      <a:r>
-                        <a:rPr lang="en-US" altLang="zh-CN" sz="2400" dirty="0" smtClean="0"/>
+                        <a:rPr lang="en-US" altLang="zh-CN" sz="2400" dirty="0"/>
                         <a:t>*</a:t>
                       </a:r>
                       <a:endParaRPr lang="zh-CN" altLang="en-US" sz="2400" dirty="0"/>
@@ -16251,11 +16243,11 @@
                     <a:lstStyle/>
                     <a:p>
                       <a:r>
-                        <a:rPr lang="zh-CN" altLang="en-US" sz="2400" dirty="0" smtClean="0"/>
+                        <a:rPr lang="zh-CN" altLang="en-US" sz="2400" dirty="0"/>
                         <a:t>￥约</a:t>
                       </a:r>
                       <a:r>
-                        <a:rPr lang="en-US" altLang="zh-CN" sz="2400" dirty="0" smtClean="0"/>
+                        <a:rPr lang="en-US" altLang="zh-CN" sz="2400" dirty="0"/>
                         <a:t>200</a:t>
                       </a:r>
                       <a:endParaRPr lang="zh-CN" altLang="en-US" sz="2400" dirty="0"/>
@@ -16269,11 +16261,11 @@
                     <a:lstStyle/>
                     <a:p>
                       <a:r>
-                        <a:rPr lang="zh-CN" altLang="en-US" sz="2400" dirty="0" smtClean="0"/>
+                        <a:rPr lang="zh-CN" altLang="en-US" sz="2400" dirty="0"/>
                         <a:t>￥</a:t>
                       </a:r>
                       <a:r>
-                        <a:rPr lang="en-US" altLang="zh-CN" sz="2400" dirty="0" smtClean="0"/>
+                        <a:rPr lang="en-US" altLang="zh-CN" sz="2400" dirty="0"/>
                         <a:t>200</a:t>
                       </a:r>
                       <a:endParaRPr lang="zh-CN" altLang="en-US" sz="2400" dirty="0"/>
@@ -16283,7 +16275,7 @@
                 </a:tc>
                 <a:extLst>
                   <a:ext uri="{0D108BD9-81ED-4DB2-BD59-A6C34878D82A}">
-                    <a16:rowId xmlns:a16="http://schemas.microsoft.com/office/drawing/2014/main" xmlns="" val="10003"/>
+                    <a16:rowId xmlns:a16="http://schemas.microsoft.com/office/drawing/2014/main" val="10003"/>
                   </a:ext>
                 </a:extLst>
               </a:tr>
@@ -16320,7 +16312,7 @@
                 </a:tc>
                 <a:extLst>
                   <a:ext uri="{0D108BD9-81ED-4DB2-BD59-A6C34878D82A}">
-                    <a16:rowId xmlns:a16="http://schemas.microsoft.com/office/drawing/2014/main" xmlns="" val="10004"/>
+                    <a16:rowId xmlns:a16="http://schemas.microsoft.com/office/drawing/2014/main" val="10004"/>
                   </a:ext>
                 </a:extLst>
               </a:tr>
@@ -16694,37 +16686,19 @@
               <a:rPr lang="zh-CN" altLang="en-US" sz="2000" b="1" dirty="0">
                 <a:latin typeface="+mn-ea"/>
               </a:rPr>
-              <a:t>总计</a:t>
-            </a:r>
-            <a:r>
-              <a:rPr lang="zh-CN" altLang="en-US" sz="2000" b="1" dirty="0" smtClean="0">
+              <a:t>总计为</a:t>
+            </a:r>
+            <a:r>
+              <a:rPr lang="en-US" altLang="zh-CN" sz="2000" b="1" dirty="0">
                 <a:latin typeface="+mn-ea"/>
               </a:rPr>
-              <a:t>为</a:t>
-            </a:r>
-            <a:r>
-              <a:rPr lang="en-US" altLang="zh-CN" sz="2000" b="1" dirty="0" smtClean="0">
-                <a:latin typeface="+mn-ea"/>
-              </a:rPr>
-              <a:t>550</a:t>
-            </a:r>
-            <a:r>
-              <a:rPr lang="en-US" altLang="zh-CN" sz="2000" b="1" dirty="0" smtClean="0">
-                <a:latin typeface="+mn-ea"/>
-              </a:rPr>
-              <a:t>*4</a:t>
-            </a:r>
-            <a:r>
-              <a:rPr lang="zh-CN" altLang="en-US" sz="2000" b="1" dirty="0" smtClean="0">
-                <a:latin typeface="+mn-ea"/>
-              </a:rPr>
-              <a:t>个</a:t>
+              <a:t>550*4</a:t>
             </a:r>
             <a:r>
               <a:rPr lang="zh-CN" altLang="en-US" sz="2000" b="1" dirty="0">
                 <a:latin typeface="+mn-ea"/>
               </a:rPr>
-              <a:t>月</a:t>
+              <a:t>个月</a:t>
             </a:r>
             <a:r>
               <a:rPr lang="en-US" altLang="zh-CN" sz="2000" b="1" dirty="0">
@@ -16742,16 +16716,10 @@
               <a:rPr lang="en-US" altLang="zh-CN" sz="2000" b="1" dirty="0">
                 <a:latin typeface="+mn-ea"/>
               </a:rPr>
-              <a:t>+</a:t>
-            </a:r>
-            <a:r>
-              <a:rPr lang="en-US" altLang="zh-CN" sz="2000" b="1" dirty="0" smtClean="0">
-                <a:latin typeface="+mn-ea"/>
-              </a:rPr>
-              <a:t>100+200=66300</a:t>
-            </a:r>
-            <a:r>
-              <a:rPr lang="zh-CN" altLang="en-US" sz="2000" b="1" dirty="0" smtClean="0">
+              <a:t>+100+200=66300</a:t>
+            </a:r>
+            <a:r>
+              <a:rPr lang="zh-CN" altLang="en-US" sz="2000" b="1" dirty="0">
                 <a:latin typeface="+mn-ea"/>
               </a:rPr>
               <a:t>元</a:t>
@@ -16938,13 +16906,13 @@
               <a:defRPr/>
             </a:pPr>
             <a:r>
-              <a:rPr lang="en-US" altLang="zh-CN" sz="1600" b="1" dirty="0" smtClean="0">
+              <a:rPr lang="en-US" altLang="zh-CN" sz="1600" b="1" dirty="0">
                 <a:latin typeface="+mn-ea"/>
               </a:rPr>
               <a:t>*</a:t>
             </a:r>
             <a:r>
-              <a:rPr lang="zh-CN" altLang="en-US" sz="1600" b="1" dirty="0" smtClean="0">
+              <a:rPr lang="zh-CN" altLang="en-US" sz="1600" b="1" dirty="0">
                 <a:latin typeface="+mn-ea"/>
               </a:rPr>
               <a:t>涵盖注册域名的费用</a:t>
@@ -18209,22 +18177,10 @@
                 </a:solidFill>
                 <a:latin typeface="Arial" panose="020B0604020202020204" pitchFamily="34" charset="0"/>
               </a:rPr>
-              <a:t>陈安</a:t>
-            </a:r>
-            <a:r>
-              <a:rPr lang="zh-CN" altLang="en-US" sz="1800" b="1" dirty="0" smtClean="0">
-                <a:solidFill>
-                  <a:srgbClr val="000000">
-                    <a:lumMod val="75000"/>
-                    <a:lumOff val="25000"/>
-                  </a:srgbClr>
-                </a:solidFill>
-                <a:latin typeface="Arial" panose="020B0604020202020204" pitchFamily="34" charset="0"/>
-              </a:rPr>
-              <a:t>：</a:t>
-            </a:r>
-            <a:r>
-              <a:rPr lang="en-US" altLang="zh-CN" sz="1800" b="1" dirty="0" smtClean="0">
+              <a:t>陈安：</a:t>
+            </a:r>
+            <a:r>
+              <a:rPr lang="en-US" altLang="zh-CN" sz="1800" b="1" dirty="0">
                 <a:solidFill>
                   <a:srgbClr val="000000">
                     <a:lumMod val="75000"/>
@@ -18236,18 +18192,6 @@
               <a:t>PPT</a:t>
             </a:r>
             <a:r>
-              <a:rPr lang="zh-CN" altLang="en-US" sz="1800" b="1" dirty="0" smtClean="0">
-                <a:solidFill>
-                  <a:srgbClr val="000000">
-                    <a:lumMod val="75000"/>
-                    <a:lumOff val="25000"/>
-                  </a:srgbClr>
-                </a:solidFill>
-                <a:latin typeface="Arial" panose="020B0604020202020204" pitchFamily="34" charset="0"/>
-              </a:rPr>
-              <a:t>部分的修改和工</a:t>
-            </a:r>
-            <a:r>
               <a:rPr lang="zh-CN" altLang="en-US" sz="1800" b="1" dirty="0">
                 <a:solidFill>
                   <a:srgbClr val="000000">
@@ -18257,7 +18201,7 @@
                 </a:solidFill>
                 <a:latin typeface="Arial" panose="020B0604020202020204" pitchFamily="34" charset="0"/>
               </a:rPr>
-              <a:t>作图制作 评分 （</a:t>
+              <a:t>部分的修改和工作图制作 评分 （</a:t>
             </a:r>
             <a:r>
               <a:rPr lang="en-US" altLang="zh-CN" sz="1800" b="1" dirty="0">
